--- a/supports/P3_02_presentation v1.pptx
+++ b/supports/P3_02_presentation v1.pptx
@@ -249,7 +249,7 @@
           <a:p>
             <a:fld id="{081908C2-F1FA-4AA1-810C-31F86594FA86}" type="datetimeFigureOut">
               <a:rPr lang="en-US" smtClean="0"/>
-              <a:t>6/23/2021</a:t>
+              <a:t>6/24/2021</a:t>
             </a:fld>
             <a:endParaRPr lang="en-US"/>
           </a:p>
@@ -414,7 +414,7 @@
           <a:p>
             <a:fld id="{56E8D31E-EEDD-42CA-A79A-B9539977145E}" type="datetimeFigureOut">
               <a:rPr lang="en-US" smtClean="0"/>
-              <a:t>6/23/2021</a:t>
+              <a:t>6/24/2021</a:t>
             </a:fld>
             <a:endParaRPr lang="en-US"/>
           </a:p>
@@ -3403,7 +3403,7 @@
           <a:p>
             <a:fld id="{E1DCD729-31D5-4480-98D7-69012EF3B7DD}" type="datetimeFigureOut">
               <a:rPr lang="en-US" smtClean="0"/>
-              <a:t>6/23/2021</a:t>
+              <a:t>6/24/2021</a:t>
             </a:fld>
             <a:endParaRPr lang="en-US"/>
           </a:p>
@@ -3601,7 +3601,7 @@
           <a:p>
             <a:fld id="{E1DCD729-31D5-4480-98D7-69012EF3B7DD}" type="datetimeFigureOut">
               <a:rPr lang="en-US" smtClean="0"/>
-              <a:t>6/23/2021</a:t>
+              <a:t>6/24/2021</a:t>
             </a:fld>
             <a:endParaRPr lang="en-US"/>
           </a:p>
@@ -3809,7 +3809,7 @@
           <a:p>
             <a:fld id="{E1DCD729-31D5-4480-98D7-69012EF3B7DD}" type="datetimeFigureOut">
               <a:rPr lang="en-US" smtClean="0"/>
-              <a:t>6/23/2021</a:t>
+              <a:t>6/24/2021</a:t>
             </a:fld>
             <a:endParaRPr lang="en-US"/>
           </a:p>
@@ -4007,7 +4007,7 @@
           <a:p>
             <a:fld id="{E1DCD729-31D5-4480-98D7-69012EF3B7DD}" type="datetimeFigureOut">
               <a:rPr lang="en-US" smtClean="0"/>
-              <a:t>6/23/2021</a:t>
+              <a:t>6/24/2021</a:t>
             </a:fld>
             <a:endParaRPr lang="en-US"/>
           </a:p>
@@ -4282,7 +4282,7 @@
           <a:p>
             <a:fld id="{E1DCD729-31D5-4480-98D7-69012EF3B7DD}" type="datetimeFigureOut">
               <a:rPr lang="en-US" smtClean="0"/>
-              <a:t>6/23/2021</a:t>
+              <a:t>6/24/2021</a:t>
             </a:fld>
             <a:endParaRPr lang="en-US"/>
           </a:p>
@@ -4547,7 +4547,7 @@
           <a:p>
             <a:fld id="{E1DCD729-31D5-4480-98D7-69012EF3B7DD}" type="datetimeFigureOut">
               <a:rPr lang="en-US" smtClean="0"/>
-              <a:t>6/23/2021</a:t>
+              <a:t>6/24/2021</a:t>
             </a:fld>
             <a:endParaRPr lang="en-US"/>
           </a:p>
@@ -4959,7 +4959,7 @@
           <a:p>
             <a:fld id="{E1DCD729-31D5-4480-98D7-69012EF3B7DD}" type="datetimeFigureOut">
               <a:rPr lang="en-US" smtClean="0"/>
-              <a:t>6/23/2021</a:t>
+              <a:t>6/24/2021</a:t>
             </a:fld>
             <a:endParaRPr lang="en-US"/>
           </a:p>
@@ -5100,7 +5100,7 @@
           <a:p>
             <a:fld id="{E1DCD729-31D5-4480-98D7-69012EF3B7DD}" type="datetimeFigureOut">
               <a:rPr lang="en-US" smtClean="0"/>
-              <a:t>6/23/2021</a:t>
+              <a:t>6/24/2021</a:t>
             </a:fld>
             <a:endParaRPr lang="en-US"/>
           </a:p>
@@ -5213,7 +5213,7 @@
           <a:p>
             <a:fld id="{E1DCD729-31D5-4480-98D7-69012EF3B7DD}" type="datetimeFigureOut">
               <a:rPr lang="en-US" smtClean="0"/>
-              <a:t>6/23/2021</a:t>
+              <a:t>6/24/2021</a:t>
             </a:fld>
             <a:endParaRPr lang="en-US"/>
           </a:p>
@@ -5524,7 +5524,7 @@
           <a:p>
             <a:fld id="{E1DCD729-31D5-4480-98D7-69012EF3B7DD}" type="datetimeFigureOut">
               <a:rPr lang="en-US" smtClean="0"/>
-              <a:t>6/23/2021</a:t>
+              <a:t>6/24/2021</a:t>
             </a:fld>
             <a:endParaRPr lang="en-US"/>
           </a:p>
@@ -5812,7 +5812,7 @@
           <a:p>
             <a:fld id="{E1DCD729-31D5-4480-98D7-69012EF3B7DD}" type="datetimeFigureOut">
               <a:rPr lang="en-US" smtClean="0"/>
-              <a:t>6/23/2021</a:t>
+              <a:t>6/24/2021</a:t>
             </a:fld>
             <a:endParaRPr lang="en-US"/>
           </a:p>
@@ -6062,7 +6062,7 @@
           <a:p>
             <a:fld id="{E1DCD729-31D5-4480-98D7-69012EF3B7DD}" type="datetimeFigureOut">
               <a:rPr lang="en-US" smtClean="0"/>
-              <a:t>6/23/2021</a:t>
+              <a:t>6/24/2021</a:t>
             </a:fld>
             <a:endParaRPr lang="en-US"/>
           </a:p>
@@ -20081,6 +20081,89 @@
           </a:fontRef>
         </p:style>
       </p:cxnSp>
+      <p:sp>
+        <p:nvSpPr>
+          <p:cNvPr id="3" name="Rectangle 2">
+            <a:extLst>
+              <a:ext uri="{FF2B5EF4-FFF2-40B4-BE49-F238E27FC236}">
+                <a16:creationId xmlns:a16="http://schemas.microsoft.com/office/drawing/2014/main" id="{6430D656-B398-4E21-909E-21B5E6AC630A}"/>
+              </a:ext>
+            </a:extLst>
+          </p:cNvPr>
+          <p:cNvSpPr/>
+          <p:nvPr/>
+        </p:nvSpPr>
+        <p:spPr>
+          <a:xfrm>
+            <a:off x="3152196" y="2763918"/>
+            <a:ext cx="2577196" cy="3030677"/>
+          </a:xfrm>
+          <a:prstGeom prst="rect">
+            <a:avLst/>
+          </a:prstGeom>
+          <a:noFill/>
+          <a:ln w="38100">
+            <a:solidFill>
+              <a:srgbClr val="FF0000"/>
+            </a:solidFill>
+            <a:prstDash val="lgDash"/>
+          </a:ln>
+        </p:spPr>
+        <p:style>
+          <a:lnRef idx="2">
+            <a:schemeClr val="accent1">
+              <a:shade val="50000"/>
+            </a:schemeClr>
+          </a:lnRef>
+          <a:fillRef idx="1">
+            <a:schemeClr val="accent1"/>
+          </a:fillRef>
+          <a:effectRef idx="0">
+            <a:schemeClr val="accent1"/>
+          </a:effectRef>
+          <a:fontRef idx="minor">
+            <a:schemeClr val="lt1"/>
+          </a:fontRef>
+        </p:style>
+        <p:txBody>
+          <a:bodyPr rtlCol="0" anchor="ctr"/>
+          <a:lstStyle/>
+          <a:p>
+            <a:pPr algn="ctr"/>
+            <a:endParaRPr lang="fr-FR"/>
+          </a:p>
+        </p:txBody>
+      </p:sp>
+      <p:pic>
+        <p:nvPicPr>
+          <p:cNvPr id="7" name="Image 6">
+            <a:extLst>
+              <a:ext uri="{FF2B5EF4-FFF2-40B4-BE49-F238E27FC236}">
+                <a16:creationId xmlns:a16="http://schemas.microsoft.com/office/drawing/2014/main" id="{2E4AA8CD-CAD8-45D9-A9D9-DD7F8C771430}"/>
+              </a:ext>
+            </a:extLst>
+          </p:cNvPr>
+          <p:cNvPicPr>
+            <a:picLocks noChangeAspect="1"/>
+          </p:cNvPicPr>
+          <p:nvPr/>
+        </p:nvPicPr>
+        <p:blipFill>
+          <a:blip r:embed="rId2"/>
+          <a:stretch>
+            <a:fillRect/>
+          </a:stretch>
+        </p:blipFill>
+        <p:spPr>
+          <a:xfrm>
+            <a:off x="-863439" y="3968661"/>
+            <a:ext cx="3710015" cy="1754906"/>
+          </a:xfrm>
+          <a:prstGeom prst="rect">
+            <a:avLst/>
+          </a:prstGeom>
+        </p:spPr>
+      </p:pic>
     </p:spTree>
     <p:extLst>
       <p:ext uri="{BB962C8B-B14F-4D97-AF65-F5344CB8AC3E}">
@@ -35798,6 +35881,106 @@
           </a:prstGeom>
         </p:spPr>
       </p:pic>
+      <p:sp>
+        <p:nvSpPr>
+          <p:cNvPr id="13" name="ZoneTexte 12">
+            <a:extLst>
+              <a:ext uri="{FF2B5EF4-FFF2-40B4-BE49-F238E27FC236}">
+                <a16:creationId xmlns:a16="http://schemas.microsoft.com/office/drawing/2014/main" id="{0C213B5B-F2B0-44D1-8F49-D92BF150577E}"/>
+              </a:ext>
+            </a:extLst>
+          </p:cNvPr>
+          <p:cNvSpPr txBox="1"/>
+          <p:nvPr/>
+        </p:nvSpPr>
+        <p:spPr>
+          <a:xfrm>
+            <a:off x="1244721" y="4122472"/>
+            <a:ext cx="9503961" cy="400110"/>
+          </a:xfrm>
+          <a:prstGeom prst="rect">
+            <a:avLst/>
+          </a:prstGeom>
+          <a:noFill/>
+        </p:spPr>
+        <p:txBody>
+          <a:bodyPr wrap="square">
+            <a:spAutoFit/>
+          </a:bodyPr>
+          <a:lstStyle/>
+          <a:p>
+            <a:r>
+              <a:rPr lang="fr-FR" sz="2000" dirty="0">
+                <a:highlight>
+                  <a:srgbClr val="FF0000"/>
+                </a:highlight>
+              </a:rPr>
+              <a:t>Hoy en </a:t>
+            </a:r>
+            <a:r>
+              <a:rPr lang="fr-FR" sz="2000" dirty="0" err="1">
+                <a:highlight>
+                  <a:srgbClr val="FF0000"/>
+                </a:highlight>
+              </a:rPr>
+              <a:t>día</a:t>
+            </a:r>
+            <a:r>
+              <a:rPr lang="fr-FR" sz="2000" dirty="0">
+                <a:highlight>
+                  <a:srgbClr val="FF0000"/>
+                </a:highlight>
+              </a:rPr>
+              <a:t> </a:t>
+            </a:r>
+            <a:r>
+              <a:rPr lang="fr-FR" sz="2000" dirty="0" err="1">
+                <a:highlight>
+                  <a:srgbClr val="FF0000"/>
+                </a:highlight>
+              </a:rPr>
+              <a:t>existen</a:t>
+            </a:r>
+            <a:r>
+              <a:rPr lang="fr-FR" sz="2000" dirty="0">
+                <a:highlight>
+                  <a:srgbClr val="FF0000"/>
+                </a:highlight>
+              </a:rPr>
+              <a:t> </a:t>
+            </a:r>
+            <a:r>
+              <a:rPr lang="fr-FR" sz="2000" dirty="0" err="1">
+                <a:highlight>
+                  <a:srgbClr val="FF0000"/>
+                </a:highlight>
+              </a:rPr>
+              <a:t>aplicaicones</a:t>
+            </a:r>
+            <a:r>
+              <a:rPr lang="fr-FR" sz="2000" dirty="0">
+                <a:highlight>
+                  <a:srgbClr val="FF0000"/>
+                </a:highlight>
+              </a:rPr>
+              <a:t>… </a:t>
+            </a:r>
+            <a:r>
+              <a:rPr lang="fr-FR" sz="2000" dirty="0" err="1">
+                <a:highlight>
+                  <a:srgbClr val="FF0000"/>
+                </a:highlight>
+              </a:rPr>
+              <a:t>decirlo</a:t>
+            </a:r>
+            <a:endParaRPr lang="fr-FR" sz="2000" dirty="0">
+              <a:highlight>
+                <a:srgbClr val="FF0000"/>
+              </a:highlight>
+            </a:endParaRPr>
+          </a:p>
+        </p:txBody>
+      </p:sp>
     </p:spTree>
     <p:extLst>
       <p:ext uri="{BB962C8B-B14F-4D97-AF65-F5344CB8AC3E}">
@@ -40046,6 +40229,58 @@
           </p:txBody>
         </p:sp>
       </p:grpSp>
+      <p:sp>
+        <p:nvSpPr>
+          <p:cNvPr id="16" name="ZoneTexte 15">
+            <a:extLst>
+              <a:ext uri="{FF2B5EF4-FFF2-40B4-BE49-F238E27FC236}">
+                <a16:creationId xmlns:a16="http://schemas.microsoft.com/office/drawing/2014/main" id="{B607095A-7C24-4BF6-AE1B-81C60A4D169D}"/>
+              </a:ext>
+            </a:extLst>
+          </p:cNvPr>
+          <p:cNvSpPr txBox="1"/>
+          <p:nvPr/>
+        </p:nvSpPr>
+        <p:spPr>
+          <a:xfrm>
+            <a:off x="377906" y="4793889"/>
+            <a:ext cx="9503961" cy="400110"/>
+          </a:xfrm>
+          <a:prstGeom prst="rect">
+            <a:avLst/>
+          </a:prstGeom>
+          <a:noFill/>
+        </p:spPr>
+        <p:txBody>
+          <a:bodyPr wrap="square">
+            <a:spAutoFit/>
+          </a:bodyPr>
+          <a:lstStyle/>
+          <a:p>
+            <a:r>
+              <a:rPr lang="fr-FR" sz="2000" dirty="0">
+                <a:highlight>
+                  <a:srgbClr val="FF0000"/>
+                </a:highlight>
+              </a:rPr>
+              <a:t>Compte </a:t>
+            </a:r>
+            <a:r>
+              <a:rPr lang="fr-FR" sz="2000">
+                <a:highlight>
+                  <a:srgbClr val="FF0000"/>
+                </a:highlight>
+              </a:rPr>
+              <a:t>le calories, et tout ça</a:t>
+            </a:r>
+            <a:endParaRPr lang="fr-FR" sz="2000" dirty="0">
+              <a:highlight>
+                <a:srgbClr val="FF0000"/>
+              </a:highlight>
+            </a:endParaRPr>
+          </a:p>
+        </p:txBody>
+      </p:sp>
     </p:spTree>
     <p:extLst>
       <p:ext uri="{BB962C8B-B14F-4D97-AF65-F5344CB8AC3E}">

--- a/supports/P3_02_presentation v1.pptx
+++ b/supports/P3_02_presentation v1.pptx
@@ -29,7 +29,7 @@
     <p:sldId id="431" r:id="rId17"/>
     <p:sldId id="437" r:id="rId18"/>
     <p:sldId id="424" r:id="rId19"/>
-    <p:sldId id="453" r:id="rId20"/>
+    <p:sldId id="454" r:id="rId20"/>
     <p:sldId id="432" r:id="rId21"/>
     <p:sldId id="435" r:id="rId22"/>
     <p:sldId id="436" r:id="rId23"/>
@@ -250,7 +250,7 @@
           <a:p>
             <a:fld id="{081908C2-F1FA-4AA1-810C-31F86594FA86}" type="datetimeFigureOut">
               <a:rPr lang="en-US" smtClean="0"/>
-              <a:t>6/29/2021</a:t>
+              <a:t>6/30/2021</a:t>
             </a:fld>
             <a:endParaRPr lang="en-US"/>
           </a:p>
@@ -415,7 +415,7 @@
           <a:p>
             <a:fld id="{56E8D31E-EEDD-42CA-A79A-B9539977145E}" type="datetimeFigureOut">
               <a:rPr lang="en-US" smtClean="0"/>
-              <a:t>6/29/2021</a:t>
+              <a:t>6/30/2021</a:t>
             </a:fld>
             <a:endParaRPr lang="en-US"/>
           </a:p>
@@ -813,11 +813,52 @@
           <a:bodyPr/>
           <a:lstStyle/>
           <a:p>
-            <a:pPr marL="171450" indent="-171450">
-              <a:buFont typeface="Wingdings" panose="05000000000000000000" pitchFamily="2" charset="2"/>
-              <a:buChar char="§"/>
-            </a:pPr>
-            <a:endParaRPr lang="fr-FR" dirty="0"/>
+            <a:pPr algn="l"/>
+            <a:r>
+              <a:rPr lang="es-ES" dirty="0" err="1"/>
+              <a:t>Iterative</a:t>
+            </a:r>
+            <a:r>
+              <a:rPr lang="es-ES" dirty="0"/>
+              <a:t> </a:t>
+            </a:r>
+            <a:r>
+              <a:rPr lang="es-ES" dirty="0" err="1"/>
+              <a:t>Imputer</a:t>
+            </a:r>
+            <a:r>
+              <a:rPr lang="es-ES" dirty="0"/>
+              <a:t> : </a:t>
+            </a:r>
+            <a:r>
+              <a:rPr lang="en-US" b="0" i="0" dirty="0">
+                <a:solidFill>
+                  <a:srgbClr val="212529"/>
+                </a:solidFill>
+                <a:effectLst/>
+                <a:latin typeface="-apple-system"/>
+              </a:rPr>
+              <a:t>Multivariate imputer that estimates each feature from all the others.</a:t>
+            </a:r>
+          </a:p>
+          <a:p>
+            <a:pPr algn="l"/>
+            <a:r>
+              <a:rPr lang="en-US" b="0" i="0" dirty="0">
+                <a:solidFill>
+                  <a:srgbClr val="212529"/>
+                </a:solidFill>
+                <a:effectLst/>
+                <a:latin typeface="-apple-system"/>
+              </a:rPr>
+              <a:t>A strategy for imputing missing values by modeling each feature with missing values as a function of other features in a round-robin fashion</a:t>
+            </a:r>
+          </a:p>
+          <a:p>
+            <a:r>
+              <a:rPr lang="fr-FR" dirty="0"/>
+              <a:t> </a:t>
+            </a:r>
           </a:p>
         </p:txBody>
       </p:sp>
@@ -838,7 +879,7 @@
           <a:p>
             <a:fld id="{B2BE2823-3393-479C-B299-87C7B63AEB2B}" type="slidenum">
               <a:rPr lang="en-US" smtClean="0"/>
-              <a:t>23</a:t>
+              <a:t>21</a:t>
             </a:fld>
             <a:endParaRPr lang="en-US"/>
           </a:p>
@@ -847,7 +888,7 @@
     </p:spTree>
     <p:extLst>
       <p:ext uri="{BB962C8B-B14F-4D97-AF65-F5344CB8AC3E}">
-        <p14:creationId xmlns:p14="http://schemas.microsoft.com/office/powerpoint/2010/main" val="2210038511"/>
+        <p14:creationId xmlns:p14="http://schemas.microsoft.com/office/powerpoint/2010/main" val="2007911873"/>
       </p:ext>
     </p:extLst>
   </p:cSld>
@@ -901,70 +942,11 @@
           <a:bodyPr/>
           <a:lstStyle/>
           <a:p>
-            <a:r>
-              <a:rPr lang="fr-FR" dirty="0"/>
-              <a:t>Observations / Conclusions</a:t>
-            </a:r>
-          </a:p>
-          <a:p>
             <a:pPr marL="171450" indent="-171450">
               <a:buFont typeface="Wingdings" panose="05000000000000000000" pitchFamily="2" charset="2"/>
               <a:buChar char="§"/>
             </a:pPr>
-            <a:r>
-              <a:rPr lang="fr-FR" dirty="0"/>
-              <a:t>Graphique à secteurs (par pourcentage %)</a:t>
-            </a:r>
-          </a:p>
-          <a:p>
-            <a:pPr marL="628650" lvl="1" indent="-171450">
-              <a:buFont typeface="Wingdings" panose="05000000000000000000" pitchFamily="2" charset="2"/>
-              <a:buChar char="§"/>
-            </a:pPr>
-            <a:r>
-              <a:rPr lang="fr-FR" dirty="0"/>
-              <a:t>La plupart des produits (61,5%) sont classés entre le grade A et le grade B.</a:t>
-            </a:r>
-          </a:p>
-          <a:p>
-            <a:pPr marL="628650" lvl="1" indent="-171450">
-              <a:buFont typeface="Wingdings" panose="05000000000000000000" pitchFamily="2" charset="2"/>
-              <a:buChar char="§"/>
-            </a:pPr>
-            <a:r>
-              <a:rPr lang="fr-FR" dirty="0"/>
-              <a:t>Seuls les 20,8% sont classés entre le grade D et le grade E.</a:t>
-            </a:r>
-          </a:p>
-          <a:p>
-            <a:pPr marL="171450" lvl="0" indent="-171450">
-              <a:buFont typeface="Wingdings" panose="05000000000000000000" pitchFamily="2" charset="2"/>
-              <a:buChar char="§"/>
-            </a:pPr>
-            <a:r>
-              <a:rPr lang="fr-FR" dirty="0"/>
-              <a:t>Graphique à barres (par quantité %)</a:t>
-            </a:r>
-          </a:p>
-          <a:p>
-            <a:pPr marL="628650" lvl="1" indent="-171450">
-              <a:buFont typeface="Wingdings" panose="05000000000000000000" pitchFamily="2" charset="2"/>
-              <a:buChar char="§"/>
-            </a:pPr>
-            <a:r>
-              <a:rPr lang="fr-FR" dirty="0"/>
-              <a:t>7786 produits sont classés entre le grade A et le grade B.</a:t>
-            </a:r>
-          </a:p>
-          <a:p>
-            <a:pPr marL="628650" lvl="1" indent="-171450">
-              <a:buFont typeface="Wingdings" panose="05000000000000000000" pitchFamily="2" charset="2"/>
-              <a:buChar char="§"/>
-            </a:pPr>
-            <a:r>
-              <a:rPr lang="fr-FR" dirty="0"/>
-              <a:t>2635 produits sont classés entre le grade D et le grade E.</a:t>
-            </a:r>
+            <a:endParaRPr lang="fr-FR" dirty="0"/>
           </a:p>
         </p:txBody>
       </p:sp>
@@ -985,7 +967,7 @@
           <a:p>
             <a:fld id="{B2BE2823-3393-479C-B299-87C7B63AEB2B}" type="slidenum">
               <a:rPr lang="en-US" smtClean="0"/>
-              <a:t>24</a:t>
+              <a:t>23</a:t>
             </a:fld>
             <a:endParaRPr lang="en-US"/>
           </a:p>
@@ -994,7 +976,7 @@
     </p:spTree>
     <p:extLst>
       <p:ext uri="{BB962C8B-B14F-4D97-AF65-F5344CB8AC3E}">
-        <p14:creationId xmlns:p14="http://schemas.microsoft.com/office/powerpoint/2010/main" val="3534688799"/>
+        <p14:creationId xmlns:p14="http://schemas.microsoft.com/office/powerpoint/2010/main" val="2210038511"/>
       </p:ext>
     </p:extLst>
   </p:cSld>
@@ -1048,23 +1030,69 @@
           <a:bodyPr/>
           <a:lstStyle/>
           <a:p>
+            <a:r>
+              <a:rPr lang="fr-FR" dirty="0"/>
+              <a:t>Observations / Conclusions</a:t>
+            </a:r>
+          </a:p>
+          <a:p>
             <a:pPr marL="171450" indent="-171450">
               <a:buFont typeface="Wingdings" panose="05000000000000000000" pitchFamily="2" charset="2"/>
               <a:buChar char="§"/>
             </a:pPr>
             <a:r>
               <a:rPr lang="fr-FR" dirty="0"/>
-              <a:t>Les snacks et les chocolats offrent plus de sucre que les autres catégories.</a:t>
-            </a:r>
-          </a:p>
-          <a:p>
-            <a:pPr marL="171450" indent="-171450">
+              <a:t>Graphique à secteurs (par pourcentage %)</a:t>
+            </a:r>
+          </a:p>
+          <a:p>
+            <a:pPr marL="628650" lvl="1" indent="-171450">
               <a:buFont typeface="Wingdings" panose="05000000000000000000" pitchFamily="2" charset="2"/>
               <a:buChar char="§"/>
             </a:pPr>
             <a:r>
               <a:rPr lang="fr-FR" dirty="0"/>
-              <a:t>Les aliments d'origine végétale et les chocolats offrent plus de matières grasses par rapport aux autres catégories. Probablement à cause des huiles</a:t>
+              <a:t>La plupart des produits (61,5%) sont classés entre le grade A et le grade B.</a:t>
+            </a:r>
+          </a:p>
+          <a:p>
+            <a:pPr marL="628650" lvl="1" indent="-171450">
+              <a:buFont typeface="Wingdings" panose="05000000000000000000" pitchFamily="2" charset="2"/>
+              <a:buChar char="§"/>
+            </a:pPr>
+            <a:r>
+              <a:rPr lang="fr-FR" dirty="0"/>
+              <a:t>Seuls les 20,8% sont classés entre le grade D et le grade E.</a:t>
+            </a:r>
+          </a:p>
+          <a:p>
+            <a:pPr marL="171450" lvl="0" indent="-171450">
+              <a:buFont typeface="Wingdings" panose="05000000000000000000" pitchFamily="2" charset="2"/>
+              <a:buChar char="§"/>
+            </a:pPr>
+            <a:r>
+              <a:rPr lang="fr-FR" dirty="0"/>
+              <a:t>Graphique à barres (par quantité %)</a:t>
+            </a:r>
+          </a:p>
+          <a:p>
+            <a:pPr marL="628650" lvl="1" indent="-171450">
+              <a:buFont typeface="Wingdings" panose="05000000000000000000" pitchFamily="2" charset="2"/>
+              <a:buChar char="§"/>
+            </a:pPr>
+            <a:r>
+              <a:rPr lang="fr-FR" dirty="0"/>
+              <a:t>7786 produits sont classés entre le grade A et le grade B.</a:t>
+            </a:r>
+          </a:p>
+          <a:p>
+            <a:pPr marL="628650" lvl="1" indent="-171450">
+              <a:buFont typeface="Wingdings" panose="05000000000000000000" pitchFamily="2" charset="2"/>
+              <a:buChar char="§"/>
+            </a:pPr>
+            <a:r>
+              <a:rPr lang="fr-FR" dirty="0"/>
+              <a:t>2635 produits sont classés entre le grade D et le grade E.</a:t>
             </a:r>
           </a:p>
         </p:txBody>
@@ -1086,7 +1114,7 @@
           <a:p>
             <a:fld id="{B2BE2823-3393-479C-B299-87C7B63AEB2B}" type="slidenum">
               <a:rPr lang="en-US" smtClean="0"/>
-              <a:t>25</a:t>
+              <a:t>24</a:t>
             </a:fld>
             <a:endParaRPr lang="en-US"/>
           </a:p>
@@ -1095,7 +1123,7 @@
     </p:spTree>
     <p:extLst>
       <p:ext uri="{BB962C8B-B14F-4D97-AF65-F5344CB8AC3E}">
-        <p14:creationId xmlns:p14="http://schemas.microsoft.com/office/powerpoint/2010/main" val="2675860331"/>
+        <p14:creationId xmlns:p14="http://schemas.microsoft.com/office/powerpoint/2010/main" val="3534688799"/>
       </p:ext>
     </p:extLst>
   </p:cSld>
@@ -1155,7 +1183,17 @@
             </a:pPr>
             <a:r>
               <a:rPr lang="fr-FR" dirty="0"/>
-              <a:t>En statistique, un graphique Q-Q est une méthode graphique pour diagnostiquer les différences entre la distribution de probabilité d'une population à partir de laquelle un échantillon aléatoire a été tiré et une distribution utilisée à des fins de comparaison.</a:t>
+              <a:t>Les snacks et les chocolats offrent plus de sucre que les autres catégories.</a:t>
+            </a:r>
+          </a:p>
+          <a:p>
+            <a:pPr marL="171450" indent="-171450">
+              <a:buFont typeface="Wingdings" panose="05000000000000000000" pitchFamily="2" charset="2"/>
+              <a:buChar char="§"/>
+            </a:pPr>
+            <a:r>
+              <a:rPr lang="fr-FR" dirty="0"/>
+              <a:t>Les aliments d'origine végétale et les chocolats offrent plus de matières grasses par rapport aux autres catégories. Probablement à cause des huiles</a:t>
             </a:r>
           </a:p>
         </p:txBody>
@@ -1177,7 +1215,7 @@
           <a:p>
             <a:fld id="{B2BE2823-3393-479C-B299-87C7B63AEB2B}" type="slidenum">
               <a:rPr lang="en-US" smtClean="0"/>
-              <a:t>26</a:t>
+              <a:t>25</a:t>
             </a:fld>
             <a:endParaRPr lang="en-US"/>
           </a:p>
@@ -1186,7 +1224,7 @@
     </p:spTree>
     <p:extLst>
       <p:ext uri="{BB962C8B-B14F-4D97-AF65-F5344CB8AC3E}">
-        <p14:creationId xmlns:p14="http://schemas.microsoft.com/office/powerpoint/2010/main" val="2109997955"/>
+        <p14:creationId xmlns:p14="http://schemas.microsoft.com/office/powerpoint/2010/main" val="2675860331"/>
       </p:ext>
     </p:extLst>
   </p:cSld>
@@ -1244,7 +1282,10 @@
               <a:buFont typeface="Wingdings" panose="05000000000000000000" pitchFamily="2" charset="2"/>
               <a:buChar char="§"/>
             </a:pPr>
-            <a:endParaRPr lang="fr-FR" dirty="0"/>
+            <a:r>
+              <a:rPr lang="fr-FR" dirty="0"/>
+              <a:t>En statistique, un graphique Q-Q est une méthode graphique pour diagnostiquer les différences entre la distribution de probabilité d'une population à partir de laquelle un échantillon aléatoire a été tiré et une distribution utilisée à des fins de comparaison.</a:t>
+            </a:r>
           </a:p>
         </p:txBody>
       </p:sp>
@@ -1265,7 +1306,7 @@
           <a:p>
             <a:fld id="{B2BE2823-3393-479C-B299-87C7B63AEB2B}" type="slidenum">
               <a:rPr lang="en-US" smtClean="0"/>
-              <a:t>27</a:t>
+              <a:t>26</a:t>
             </a:fld>
             <a:endParaRPr lang="en-US"/>
           </a:p>
@@ -1274,7 +1315,7 @@
     </p:spTree>
     <p:extLst>
       <p:ext uri="{BB962C8B-B14F-4D97-AF65-F5344CB8AC3E}">
-        <p14:creationId xmlns:p14="http://schemas.microsoft.com/office/powerpoint/2010/main" val="20620618"/>
+        <p14:creationId xmlns:p14="http://schemas.microsoft.com/office/powerpoint/2010/main" val="2109997955"/>
       </p:ext>
     </p:extLst>
   </p:cSld>
@@ -1328,54 +1369,11 @@
           <a:bodyPr/>
           <a:lstStyle/>
           <a:p>
-            <a:pPr marL="0" indent="0">
-              <a:buFont typeface="Wingdings" panose="05000000000000000000" pitchFamily="2" charset="2"/>
-              <a:buNone/>
-            </a:pPr>
-            <a:r>
-              <a:rPr lang="fr-FR" dirty="0"/>
-              <a:t>Coefficient</a:t>
-            </a:r>
-          </a:p>
-          <a:p>
             <a:pPr marL="171450" indent="-171450">
               <a:buFont typeface="Wingdings" panose="05000000000000000000" pitchFamily="2" charset="2"/>
               <a:buChar char="§"/>
             </a:pPr>
-            <a:r>
-              <a:rPr lang="fr-FR" dirty="0"/>
-              <a:t>Les protéines et les sucres ont une relation inverse</a:t>
-            </a:r>
-          </a:p>
-          <a:p>
-            <a:pPr marL="171450" indent="-171450">
-              <a:buFont typeface="Wingdings" panose="05000000000000000000" pitchFamily="2" charset="2"/>
-              <a:buChar char="§"/>
-            </a:pPr>
-            <a:r>
-              <a:rPr lang="fr-FR" dirty="0"/>
-              <a:t>Energy vs Nutri-Score n'ont pas de relation</a:t>
-            </a:r>
-          </a:p>
-          <a:p>
-            <a:pPr marL="0" indent="0">
-              <a:buFont typeface="Wingdings" panose="05000000000000000000" pitchFamily="2" charset="2"/>
-              <a:buNone/>
-            </a:pPr>
-            <a:r>
-              <a:rPr lang="en-US" dirty="0"/>
-              <a:t>R² - Score</a:t>
-            </a:r>
-          </a:p>
-          <a:p>
-            <a:pPr marL="0" indent="0">
-              <a:buFont typeface="Wingdings" panose="05000000000000000000" pitchFamily="2" charset="2"/>
-              <a:buNone/>
-            </a:pPr>
-            <a:r>
-              <a:rPr lang="fr-FR" dirty="0"/>
-              <a:t>Plus la valeur de r2 est proche de 1, plus l'ajustement du modèle à la variable que nous essayons d'expliquer est grand.</a:t>
-            </a:r>
+            <a:endParaRPr lang="fr-FR" dirty="0"/>
           </a:p>
         </p:txBody>
       </p:sp>
@@ -1396,7 +1394,7 @@
           <a:p>
             <a:fld id="{B2BE2823-3393-479C-B299-87C7B63AEB2B}" type="slidenum">
               <a:rPr lang="en-US" smtClean="0"/>
-              <a:t>28</a:t>
+              <a:t>27</a:t>
             </a:fld>
             <a:endParaRPr lang="en-US"/>
           </a:p>
@@ -1405,7 +1403,7 @@
     </p:spTree>
     <p:extLst>
       <p:ext uri="{BB962C8B-B14F-4D97-AF65-F5344CB8AC3E}">
-        <p14:creationId xmlns:p14="http://schemas.microsoft.com/office/powerpoint/2010/main" val="2372500580"/>
+        <p14:creationId xmlns:p14="http://schemas.microsoft.com/office/powerpoint/2010/main" val="20620618"/>
       </p:ext>
     </p:extLst>
   </p:cSld>
@@ -1459,11 +1457,54 @@
           <a:bodyPr/>
           <a:lstStyle/>
           <a:p>
+            <a:pPr marL="0" indent="0">
+              <a:buFont typeface="Wingdings" panose="05000000000000000000" pitchFamily="2" charset="2"/>
+              <a:buNone/>
+            </a:pPr>
+            <a:r>
+              <a:rPr lang="fr-FR" dirty="0"/>
+              <a:t>Coefficient</a:t>
+            </a:r>
+          </a:p>
+          <a:p>
             <a:pPr marL="171450" indent="-171450">
               <a:buFont typeface="Wingdings" panose="05000000000000000000" pitchFamily="2" charset="2"/>
               <a:buChar char="§"/>
             </a:pPr>
-            <a:endParaRPr lang="fr-FR" dirty="0"/>
+            <a:r>
+              <a:rPr lang="fr-FR" dirty="0"/>
+              <a:t>Les protéines et les sucres ont une relation inverse</a:t>
+            </a:r>
+          </a:p>
+          <a:p>
+            <a:pPr marL="171450" indent="-171450">
+              <a:buFont typeface="Wingdings" panose="05000000000000000000" pitchFamily="2" charset="2"/>
+              <a:buChar char="§"/>
+            </a:pPr>
+            <a:r>
+              <a:rPr lang="fr-FR" dirty="0"/>
+              <a:t>Energy vs Nutri-Score n'ont pas de relation</a:t>
+            </a:r>
+          </a:p>
+          <a:p>
+            <a:pPr marL="0" indent="0">
+              <a:buFont typeface="Wingdings" panose="05000000000000000000" pitchFamily="2" charset="2"/>
+              <a:buNone/>
+            </a:pPr>
+            <a:r>
+              <a:rPr lang="en-US" dirty="0"/>
+              <a:t>R² - Score</a:t>
+            </a:r>
+          </a:p>
+          <a:p>
+            <a:pPr marL="0" indent="0">
+              <a:buFont typeface="Wingdings" panose="05000000000000000000" pitchFamily="2" charset="2"/>
+              <a:buNone/>
+            </a:pPr>
+            <a:r>
+              <a:rPr lang="fr-FR" dirty="0"/>
+              <a:t>Plus la valeur de r2 est proche de 1, plus l'ajustement du modèle à la variable que nous essayons d'expliquer est grand.</a:t>
+            </a:r>
           </a:p>
         </p:txBody>
       </p:sp>
@@ -1484,7 +1525,7 @@
           <a:p>
             <a:fld id="{B2BE2823-3393-479C-B299-87C7B63AEB2B}" type="slidenum">
               <a:rPr lang="en-US" smtClean="0"/>
-              <a:t>29</a:t>
+              <a:t>28</a:t>
             </a:fld>
             <a:endParaRPr lang="en-US"/>
           </a:p>
@@ -1493,7 +1534,7 @@
     </p:spTree>
     <p:extLst>
       <p:ext uri="{BB962C8B-B14F-4D97-AF65-F5344CB8AC3E}">
-        <p14:creationId xmlns:p14="http://schemas.microsoft.com/office/powerpoint/2010/main" val="3823338669"/>
+        <p14:creationId xmlns:p14="http://schemas.microsoft.com/office/powerpoint/2010/main" val="2372500580"/>
       </p:ext>
     </p:extLst>
   </p:cSld>
@@ -1572,7 +1613,7 @@
           <a:p>
             <a:fld id="{B2BE2823-3393-479C-B299-87C7B63AEB2B}" type="slidenum">
               <a:rPr lang="en-US" smtClean="0"/>
-              <a:t>30</a:t>
+              <a:t>29</a:t>
             </a:fld>
             <a:endParaRPr lang="en-US"/>
           </a:p>
@@ -1581,7 +1622,7 @@
     </p:spTree>
     <p:extLst>
       <p:ext uri="{BB962C8B-B14F-4D97-AF65-F5344CB8AC3E}">
-        <p14:creationId xmlns:p14="http://schemas.microsoft.com/office/powerpoint/2010/main" val="3764824492"/>
+        <p14:creationId xmlns:p14="http://schemas.microsoft.com/office/powerpoint/2010/main" val="3823338669"/>
       </p:ext>
     </p:extLst>
   </p:cSld>
@@ -1635,33 +1676,11 @@
           <a:bodyPr/>
           <a:lstStyle/>
           <a:p>
-            <a:pPr marL="171450" marR="0" lvl="0" indent="-171450" algn="l" defTabSz="914400" rtl="0" eaLnBrk="1" fontAlgn="auto" latinLnBrk="0" hangingPunct="1">
-              <a:lnSpc>
-                <a:spcPct val="100000"/>
-              </a:lnSpc>
-              <a:spcBef>
-                <a:spcPts val="0"/>
-              </a:spcBef>
-              <a:spcAft>
-                <a:spcPts val="0"/>
-              </a:spcAft>
-              <a:buClrTx/>
-              <a:buSzTx/>
+            <a:pPr marL="171450" indent="-171450">
               <a:buFont typeface="Wingdings" panose="05000000000000000000" pitchFamily="2" charset="2"/>
               <a:buChar char="§"/>
-              <a:tabLst/>
-              <a:defRPr/>
             </a:pPr>
-            <a:r>
-              <a:rPr lang="fr-FR" sz="1200" u="none" strike="noStrike" dirty="0">
-                <a:solidFill>
-                  <a:srgbClr val="000000"/>
-                </a:solidFill>
-                <a:effectLst/>
-                <a:latin typeface="docs-Roboto"/>
-              </a:rPr>
-              <a:t>PC1 a une influence sur l'énergie-kcal_100g, la graisse_100g et la graisse saturée_100g. Ce composant principal comprend probablement des collations</a:t>
-            </a:r>
+            <a:endParaRPr lang="fr-FR" dirty="0"/>
           </a:p>
         </p:txBody>
       </p:sp>
@@ -1682,7 +1701,7 @@
           <a:p>
             <a:fld id="{B2BE2823-3393-479C-B299-87C7B63AEB2B}" type="slidenum">
               <a:rPr lang="en-US" smtClean="0"/>
-              <a:t>31</a:t>
+              <a:t>30</a:t>
             </a:fld>
             <a:endParaRPr lang="en-US"/>
           </a:p>
@@ -1691,7 +1710,7 @@
     </p:spTree>
     <p:extLst>
       <p:ext uri="{BB962C8B-B14F-4D97-AF65-F5344CB8AC3E}">
-        <p14:creationId xmlns:p14="http://schemas.microsoft.com/office/powerpoint/2010/main" val="667123610"/>
+        <p14:creationId xmlns:p14="http://schemas.microsoft.com/office/powerpoint/2010/main" val="3764824492"/>
       </p:ext>
     </p:extLst>
   </p:cSld>
@@ -1745,113 +1764,32 @@
           <a:bodyPr/>
           <a:lstStyle/>
           <a:p>
-            <a:pPr marL="0" indent="0">
+            <a:pPr marL="171450" marR="0" lvl="0" indent="-171450" algn="l" defTabSz="914400" rtl="0" eaLnBrk="1" fontAlgn="auto" latinLnBrk="0" hangingPunct="1">
+              <a:lnSpc>
+                <a:spcPct val="100000"/>
+              </a:lnSpc>
+              <a:spcBef>
+                <a:spcPts val="0"/>
+              </a:spcBef>
+              <a:spcAft>
+                <a:spcPts val="0"/>
+              </a:spcAft>
+              <a:buClrTx/>
+              <a:buSzTx/>
               <a:buFont typeface="Wingdings" panose="05000000000000000000" pitchFamily="2" charset="2"/>
-              <a:buNone/>
+              <a:buChar char="§"/>
+              <a:tabLst/>
+              <a:defRPr/>
             </a:pPr>
             <a:r>
-              <a:rPr lang="fr-FR" dirty="0"/>
-              <a:t>F1 et F2</a:t>
-            </a:r>
-          </a:p>
-          <a:p>
-            <a:pPr marL="171450" indent="-171450">
-              <a:buFont typeface="Arial" panose="020B0604020202020204" pitchFamily="34" charset="0"/>
-              <a:buChar char="•"/>
-            </a:pPr>
-            <a:r>
-              <a:rPr lang="fr-FR" dirty="0"/>
-              <a:t>energy-kcal_100g, fat_100g et saturated-fat_100g ont une forte corrélation avec F1         </a:t>
-            </a:r>
-          </a:p>
-          <a:p>
-            <a:pPr marL="171450" indent="-171450">
-              <a:buFont typeface="Arial" panose="020B0604020202020204" pitchFamily="34" charset="0"/>
-              <a:buChar char="•"/>
-            </a:pPr>
-            <a:r>
-              <a:rPr lang="fr-FR" dirty="0"/>
-              <a:t>protein_100g a une forte corrélation avec F2         </a:t>
-            </a:r>
-          </a:p>
-          <a:p>
-            <a:pPr marL="171450" indent="-171450">
-              <a:buFont typeface="Arial" panose="020B0604020202020204" pitchFamily="34" charset="0"/>
-              <a:buChar char="•"/>
-            </a:pPr>
-            <a:r>
-              <a:rPr lang="fr-FR" dirty="0"/>
-              <a:t>les glucides_100g et le sucre_100 ont une corrélation négative avec F2     </a:t>
-            </a:r>
-          </a:p>
-          <a:p>
-            <a:pPr marL="0" indent="0">
-              <a:buFont typeface="Arial" panose="020B0604020202020204" pitchFamily="34" charset="0"/>
-              <a:buNone/>
-            </a:pPr>
-            <a:r>
-              <a:rPr lang="fr-FR" dirty="0"/>
-              <a:t>F3 et F4</a:t>
-            </a:r>
-          </a:p>
-          <a:p>
-            <a:pPr marL="171450" indent="-171450">
-              <a:buFont typeface="Arial" panose="020B0604020202020204" pitchFamily="34" charset="0"/>
-              <a:buChar char="•"/>
-            </a:pPr>
-            <a:r>
-              <a:rPr lang="fr-FR" dirty="0"/>
-              <a:t>salt_100g a une forte corrélation avec F3         </a:t>
-            </a:r>
-          </a:p>
-          <a:p>
-            <a:pPr marL="171450" indent="-171450">
-              <a:buFont typeface="Arial" panose="020B0604020202020204" pitchFamily="34" charset="0"/>
-              <a:buChar char="•"/>
-            </a:pPr>
-            <a:r>
-              <a:rPr lang="fr-FR" dirty="0"/>
-              <a:t>les protéines_100g et le sucre_100 ont une corrélation négative avec F4     </a:t>
-            </a:r>
-          </a:p>
-          <a:p>
-            <a:pPr marL="0" indent="0">
-              <a:buFont typeface="Arial" panose="020B0604020202020204" pitchFamily="34" charset="0"/>
-              <a:buNone/>
-            </a:pPr>
-            <a:r>
-              <a:rPr lang="fr-FR" dirty="0"/>
-              <a:t>F5 et F6</a:t>
-            </a:r>
-          </a:p>
-          <a:p>
-            <a:pPr marL="171450" indent="-171450">
-              <a:buFont typeface="Arial" panose="020B0604020202020204" pitchFamily="34" charset="0"/>
-              <a:buChar char="•"/>
-            </a:pPr>
-            <a:r>
-              <a:rPr lang="fr-FR" dirty="0"/>
-              <a:t>saturated-fat_100g a une corrélation négative avec F6         </a:t>
-            </a:r>
-          </a:p>
-          <a:p>
-            <a:pPr marL="171450" indent="-171450">
-              <a:buFont typeface="Arial" panose="020B0604020202020204" pitchFamily="34" charset="0"/>
-              <a:buChar char="•"/>
-            </a:pPr>
-            <a:r>
-              <a:rPr lang="fr-FR" dirty="0"/>
-              <a:t>les glucides_100g et l'énergie-kcal_100 ont une corrélation négative avec F5         </a:t>
-            </a:r>
-          </a:p>
-          <a:p>
-            <a:pPr marL="171450" indent="-171450">
-              <a:buFont typeface="Arial" panose="020B0604020202020204" pitchFamily="34" charset="0"/>
-              <a:buChar char="•"/>
-            </a:pPr>
-            <a:r>
-              <a:rPr lang="fr-FR" dirty="0"/>
-              <a:t>sugar_100g a une forte corrélation avec F5</a:t>
+              <a:rPr lang="fr-FR" sz="1200" u="none" strike="noStrike" dirty="0">
+                <a:solidFill>
+                  <a:srgbClr val="000000"/>
+                </a:solidFill>
+                <a:effectLst/>
+                <a:latin typeface="docs-Roboto"/>
+              </a:rPr>
+              <a:t>PC1 a une influence sur l'énergie-kcal_100g, la graisse_100g et la graisse saturée_100g. Ce composant principal comprend probablement des collations</a:t>
             </a:r>
           </a:p>
         </p:txBody>
@@ -1873,7 +1811,7 @@
           <a:p>
             <a:fld id="{B2BE2823-3393-479C-B299-87C7B63AEB2B}" type="slidenum">
               <a:rPr lang="en-US" smtClean="0"/>
-              <a:t>32</a:t>
+              <a:t>31</a:t>
             </a:fld>
             <a:endParaRPr lang="en-US"/>
           </a:p>
@@ -1882,7 +1820,7 @@
     </p:spTree>
     <p:extLst>
       <p:ext uri="{BB962C8B-B14F-4D97-AF65-F5344CB8AC3E}">
-        <p14:creationId xmlns:p14="http://schemas.microsoft.com/office/powerpoint/2010/main" val="3885285935"/>
+        <p14:creationId xmlns:p14="http://schemas.microsoft.com/office/powerpoint/2010/main" val="667123610"/>
       </p:ext>
     </p:extLst>
   </p:cSld>
@@ -2160,6 +2098,197 @@
           <a:bodyPr/>
           <a:lstStyle/>
           <a:p>
+            <a:pPr marL="0" indent="0">
+              <a:buFont typeface="Wingdings" panose="05000000000000000000" pitchFamily="2" charset="2"/>
+              <a:buNone/>
+            </a:pPr>
+            <a:r>
+              <a:rPr lang="fr-FR" dirty="0"/>
+              <a:t>F1 et F2</a:t>
+            </a:r>
+          </a:p>
+          <a:p>
+            <a:pPr marL="171450" indent="-171450">
+              <a:buFont typeface="Arial" panose="020B0604020202020204" pitchFamily="34" charset="0"/>
+              <a:buChar char="•"/>
+            </a:pPr>
+            <a:r>
+              <a:rPr lang="fr-FR" dirty="0"/>
+              <a:t>energy-kcal_100g, fat_100g et saturated-fat_100g ont une forte corrélation avec F1         </a:t>
+            </a:r>
+          </a:p>
+          <a:p>
+            <a:pPr marL="171450" indent="-171450">
+              <a:buFont typeface="Arial" panose="020B0604020202020204" pitchFamily="34" charset="0"/>
+              <a:buChar char="•"/>
+            </a:pPr>
+            <a:r>
+              <a:rPr lang="fr-FR" dirty="0"/>
+              <a:t>protein_100g a une forte corrélation avec F2         </a:t>
+            </a:r>
+          </a:p>
+          <a:p>
+            <a:pPr marL="171450" indent="-171450">
+              <a:buFont typeface="Arial" panose="020B0604020202020204" pitchFamily="34" charset="0"/>
+              <a:buChar char="•"/>
+            </a:pPr>
+            <a:r>
+              <a:rPr lang="fr-FR" dirty="0"/>
+              <a:t>les glucides_100g et le sucre_100 ont une corrélation négative avec F2     </a:t>
+            </a:r>
+          </a:p>
+          <a:p>
+            <a:pPr marL="0" indent="0">
+              <a:buFont typeface="Arial" panose="020B0604020202020204" pitchFamily="34" charset="0"/>
+              <a:buNone/>
+            </a:pPr>
+            <a:r>
+              <a:rPr lang="fr-FR" dirty="0"/>
+              <a:t>F3 et F4</a:t>
+            </a:r>
+          </a:p>
+          <a:p>
+            <a:pPr marL="171450" indent="-171450">
+              <a:buFont typeface="Arial" panose="020B0604020202020204" pitchFamily="34" charset="0"/>
+              <a:buChar char="•"/>
+            </a:pPr>
+            <a:r>
+              <a:rPr lang="fr-FR" dirty="0"/>
+              <a:t>salt_100g a une forte corrélation avec F3         </a:t>
+            </a:r>
+          </a:p>
+          <a:p>
+            <a:pPr marL="171450" indent="-171450">
+              <a:buFont typeface="Arial" panose="020B0604020202020204" pitchFamily="34" charset="0"/>
+              <a:buChar char="•"/>
+            </a:pPr>
+            <a:r>
+              <a:rPr lang="fr-FR" dirty="0"/>
+              <a:t>les protéines_100g et le sucre_100 ont une corrélation négative avec F4     </a:t>
+            </a:r>
+          </a:p>
+          <a:p>
+            <a:pPr marL="0" indent="0">
+              <a:buFont typeface="Arial" panose="020B0604020202020204" pitchFamily="34" charset="0"/>
+              <a:buNone/>
+            </a:pPr>
+            <a:r>
+              <a:rPr lang="fr-FR" dirty="0"/>
+              <a:t>F5 et F6</a:t>
+            </a:r>
+          </a:p>
+          <a:p>
+            <a:pPr marL="171450" indent="-171450">
+              <a:buFont typeface="Arial" panose="020B0604020202020204" pitchFamily="34" charset="0"/>
+              <a:buChar char="•"/>
+            </a:pPr>
+            <a:r>
+              <a:rPr lang="fr-FR" dirty="0"/>
+              <a:t>saturated-fat_100g a une corrélation négative avec F6         </a:t>
+            </a:r>
+          </a:p>
+          <a:p>
+            <a:pPr marL="171450" indent="-171450">
+              <a:buFont typeface="Arial" panose="020B0604020202020204" pitchFamily="34" charset="0"/>
+              <a:buChar char="•"/>
+            </a:pPr>
+            <a:r>
+              <a:rPr lang="fr-FR" dirty="0"/>
+              <a:t>les glucides_100g et l'énergie-kcal_100 ont une corrélation négative avec F5         </a:t>
+            </a:r>
+          </a:p>
+          <a:p>
+            <a:pPr marL="171450" indent="-171450">
+              <a:buFont typeface="Arial" panose="020B0604020202020204" pitchFamily="34" charset="0"/>
+              <a:buChar char="•"/>
+            </a:pPr>
+            <a:r>
+              <a:rPr lang="fr-FR" dirty="0"/>
+              <a:t>sugar_100g a une forte corrélation avec F5</a:t>
+            </a:r>
+          </a:p>
+        </p:txBody>
+      </p:sp>
+      <p:sp>
+        <p:nvSpPr>
+          <p:cNvPr id="4" name="Espace réservé du numéro de diapositive 3"/>
+          <p:cNvSpPr>
+            <a:spLocks noGrp="1"/>
+          </p:cNvSpPr>
+          <p:nvPr>
+            <p:ph type="sldNum" sz="quarter" idx="5"/>
+          </p:nvPr>
+        </p:nvSpPr>
+        <p:spPr/>
+        <p:txBody>
+          <a:bodyPr/>
+          <a:lstStyle/>
+          <a:p>
+            <a:fld id="{B2BE2823-3393-479C-B299-87C7B63AEB2B}" type="slidenum">
+              <a:rPr lang="en-US" smtClean="0"/>
+              <a:t>32</a:t>
+            </a:fld>
+            <a:endParaRPr lang="en-US"/>
+          </a:p>
+        </p:txBody>
+      </p:sp>
+    </p:spTree>
+    <p:extLst>
+      <p:ext uri="{BB962C8B-B14F-4D97-AF65-F5344CB8AC3E}">
+        <p14:creationId xmlns:p14="http://schemas.microsoft.com/office/powerpoint/2010/main" val="3885285935"/>
+      </p:ext>
+    </p:extLst>
+  </p:cSld>
+  <p:clrMapOvr>
+    <a:masterClrMapping/>
+  </p:clrMapOvr>
+</p:notes>
+</file>
+
+<file path=ppt/notesSlides/notesSlide21.xml><?xml version="1.0" encoding="utf-8"?>
+<p:notes xmlns:a="http://schemas.openxmlformats.org/drawingml/2006/main" xmlns:r="http://schemas.openxmlformats.org/officeDocument/2006/relationships" xmlns:p="http://schemas.openxmlformats.org/presentationml/2006/main">
+  <p:cSld>
+    <p:spTree>
+      <p:nvGrpSpPr>
+        <p:cNvPr id="1" name=""/>
+        <p:cNvGrpSpPr/>
+        <p:nvPr/>
+      </p:nvGrpSpPr>
+      <p:grpSpPr>
+        <a:xfrm>
+          <a:off x="0" y="0"/>
+          <a:ext cx="0" cy="0"/>
+          <a:chOff x="0" y="0"/>
+          <a:chExt cx="0" cy="0"/>
+        </a:xfrm>
+      </p:grpSpPr>
+      <p:sp>
+        <p:nvSpPr>
+          <p:cNvPr id="2" name="Espace réservé de l'image des diapositives 1"/>
+          <p:cNvSpPr>
+            <a:spLocks noGrp="1" noRot="1" noChangeAspect="1"/>
+          </p:cNvSpPr>
+          <p:nvPr>
+            <p:ph type="sldImg"/>
+          </p:nvPr>
+        </p:nvSpPr>
+        <p:spPr/>
+      </p:sp>
+      <p:sp>
+        <p:nvSpPr>
+          <p:cNvPr id="3" name="Espace réservé des notes 2"/>
+          <p:cNvSpPr>
+            <a:spLocks noGrp="1"/>
+          </p:cNvSpPr>
+          <p:nvPr>
+            <p:ph type="body" idx="1"/>
+          </p:nvPr>
+        </p:nvSpPr>
+        <p:spPr/>
+        <p:txBody>
+          <a:bodyPr/>
+          <a:lstStyle/>
+          <a:p>
             <a:pPr marL="171450" indent="-171450">
               <a:buFont typeface="Wingdings" panose="05000000000000000000" pitchFamily="2" charset="2"/>
               <a:buChar char="§"/>
@@ -2204,7 +2333,7 @@
 </p:notes>
 </file>
 
-<file path=ppt/notesSlides/notesSlide21.xml><?xml version="1.0" encoding="utf-8"?>
+<file path=ppt/notesSlides/notesSlide22.xml><?xml version="1.0" encoding="utf-8"?>
 <p:notes xmlns:a="http://schemas.openxmlformats.org/drawingml/2006/main" xmlns:r="http://schemas.openxmlformats.org/officeDocument/2006/relationships" xmlns:p="http://schemas.openxmlformats.org/presentationml/2006/main">
   <p:cSld>
     <p:spTree>
@@ -3172,52 +3301,71 @@
           <a:bodyPr/>
           <a:lstStyle/>
           <a:p>
-            <a:pPr algn="l"/>
-            <a:r>
-              <a:rPr lang="es-ES" dirty="0" err="1"/>
-              <a:t>Iterative</a:t>
-            </a:r>
-            <a:r>
-              <a:rPr lang="es-ES" dirty="0"/>
-              <a:t> </a:t>
-            </a:r>
-            <a:r>
-              <a:rPr lang="es-ES" dirty="0" err="1"/>
-              <a:t>Imputer</a:t>
-            </a:r>
-            <a:r>
-              <a:rPr lang="es-ES" dirty="0"/>
-              <a:t> : </a:t>
-            </a:r>
-            <a:r>
-              <a:rPr lang="en-US" b="0" i="0" dirty="0">
-                <a:solidFill>
-                  <a:srgbClr val="212529"/>
-                </a:solidFill>
-                <a:effectLst/>
-                <a:latin typeface="-apple-system"/>
+            <a:pPr marL="0" marR="0" lvl="0" indent="0" algn="l" defTabSz="914400" rtl="0" eaLnBrk="1" fontAlgn="auto" latinLnBrk="0" hangingPunct="1">
+              <a:lnSpc>
+                <a:spcPct val="100000"/>
+              </a:lnSpc>
+              <a:spcBef>
+                <a:spcPts val="0"/>
+              </a:spcBef>
+              <a:spcAft>
+                <a:spcPts val="0"/>
+              </a:spcAft>
+              <a:buClrTx/>
+              <a:buSzTx/>
+              <a:buFontTx/>
+              <a:buNone/>
+              <a:tabLst/>
+              <a:defRPr/>
+            </a:pPr>
+            <a:r>
+              <a:rPr lang="fr-FR" dirty="0">
+                <a:ln>
+                  <a:solidFill>
+                    <a:srgbClr val="C00000"/>
+                  </a:solidFill>
+                </a:ln>
+                <a:solidFill>
+                  <a:srgbClr val="C00000"/>
+                </a:solidFill>
               </a:rPr>
-              <a:t>Multivariate imputer that estimates each feature from all the others.</a:t>
-            </a:r>
-          </a:p>
-          <a:p>
-            <a:pPr algn="l"/>
-            <a:r>
-              <a:rPr lang="en-US" b="0" i="0" dirty="0">
-                <a:solidFill>
-                  <a:srgbClr val="212529"/>
-                </a:solidFill>
-                <a:effectLst/>
-                <a:latin typeface="-apple-system"/>
+              <a:t>Comparaison par un indicateur de risque en tant que RMSE</a:t>
+            </a:r>
+          </a:p>
+          <a:p>
+            <a:pPr marL="0" marR="0" lvl="0" indent="0" algn="l" defTabSz="914400" rtl="0" eaLnBrk="1" fontAlgn="auto" latinLnBrk="0" hangingPunct="1">
+              <a:lnSpc>
+                <a:spcPct val="100000"/>
+              </a:lnSpc>
+              <a:spcBef>
+                <a:spcPts val="0"/>
+              </a:spcBef>
+              <a:spcAft>
+                <a:spcPts val="0"/>
+              </a:spcAft>
+              <a:buClrTx/>
+              <a:buSzTx/>
+              <a:buFontTx/>
+              <a:buNone/>
+              <a:tabLst/>
+              <a:defRPr/>
+            </a:pPr>
+            <a:r>
+              <a:rPr lang="fr-FR" dirty="0">
+                <a:ln>
+                  <a:solidFill>
+                    <a:srgbClr val="C00000"/>
+                  </a:solidFill>
+                </a:ln>
+                <a:solidFill>
+                  <a:srgbClr val="C00000"/>
+                </a:solidFill>
               </a:rPr>
-              <a:t>A strategy for imputing missing values by modeling each feature with missing values as a function of other features in a round-robin fashion</a:t>
-            </a:r>
-          </a:p>
-          <a:p>
-            <a:r>
-              <a:rPr lang="fr-FR" dirty="0"/>
-              <a:t> </a:t>
-            </a:r>
+              <a:t>et </a:t>
+            </a:r>
+          </a:p>
+          <a:p>
+            <a:endParaRPr lang="fr-FR" dirty="0"/>
           </a:p>
         </p:txBody>
       </p:sp>
@@ -3238,7 +3386,7 @@
           <a:p>
             <a:fld id="{B2BE2823-3393-479C-B299-87C7B63AEB2B}" type="slidenum">
               <a:rPr lang="en-US" smtClean="0"/>
-              <a:t>21</a:t>
+              <a:t>19</a:t>
             </a:fld>
             <a:endParaRPr lang="en-US"/>
           </a:p>
@@ -3247,7 +3395,7 @@
     </p:spTree>
     <p:extLst>
       <p:ext uri="{BB962C8B-B14F-4D97-AF65-F5344CB8AC3E}">
-        <p14:creationId xmlns:p14="http://schemas.microsoft.com/office/powerpoint/2010/main" val="2007911873"/>
+        <p14:creationId xmlns:p14="http://schemas.microsoft.com/office/powerpoint/2010/main" val="2625152880"/>
       </p:ext>
     </p:extLst>
   </p:cSld>
@@ -3404,7 +3552,7 @@
           <a:p>
             <a:fld id="{E1DCD729-31D5-4480-98D7-69012EF3B7DD}" type="datetimeFigureOut">
               <a:rPr lang="en-US" smtClean="0"/>
-              <a:t>6/29/2021</a:t>
+              <a:t>6/30/2021</a:t>
             </a:fld>
             <a:endParaRPr lang="en-US"/>
           </a:p>
@@ -3602,7 +3750,7 @@
           <a:p>
             <a:fld id="{E1DCD729-31D5-4480-98D7-69012EF3B7DD}" type="datetimeFigureOut">
               <a:rPr lang="en-US" smtClean="0"/>
-              <a:t>6/29/2021</a:t>
+              <a:t>6/30/2021</a:t>
             </a:fld>
             <a:endParaRPr lang="en-US"/>
           </a:p>
@@ -3810,7 +3958,7 @@
           <a:p>
             <a:fld id="{E1DCD729-31D5-4480-98D7-69012EF3B7DD}" type="datetimeFigureOut">
               <a:rPr lang="en-US" smtClean="0"/>
-              <a:t>6/29/2021</a:t>
+              <a:t>6/30/2021</a:t>
             </a:fld>
             <a:endParaRPr lang="en-US"/>
           </a:p>
@@ -4008,7 +4156,7 @@
           <a:p>
             <a:fld id="{E1DCD729-31D5-4480-98D7-69012EF3B7DD}" type="datetimeFigureOut">
               <a:rPr lang="en-US" smtClean="0"/>
-              <a:t>6/29/2021</a:t>
+              <a:t>6/30/2021</a:t>
             </a:fld>
             <a:endParaRPr lang="en-US"/>
           </a:p>
@@ -4283,7 +4431,7 @@
           <a:p>
             <a:fld id="{E1DCD729-31D5-4480-98D7-69012EF3B7DD}" type="datetimeFigureOut">
               <a:rPr lang="en-US" smtClean="0"/>
-              <a:t>6/29/2021</a:t>
+              <a:t>6/30/2021</a:t>
             </a:fld>
             <a:endParaRPr lang="en-US"/>
           </a:p>
@@ -4548,7 +4696,7 @@
           <a:p>
             <a:fld id="{E1DCD729-31D5-4480-98D7-69012EF3B7DD}" type="datetimeFigureOut">
               <a:rPr lang="en-US" smtClean="0"/>
-              <a:t>6/29/2021</a:t>
+              <a:t>6/30/2021</a:t>
             </a:fld>
             <a:endParaRPr lang="en-US"/>
           </a:p>
@@ -4960,7 +5108,7 @@
           <a:p>
             <a:fld id="{E1DCD729-31D5-4480-98D7-69012EF3B7DD}" type="datetimeFigureOut">
               <a:rPr lang="en-US" smtClean="0"/>
-              <a:t>6/29/2021</a:t>
+              <a:t>6/30/2021</a:t>
             </a:fld>
             <a:endParaRPr lang="en-US"/>
           </a:p>
@@ -5101,7 +5249,7 @@
           <a:p>
             <a:fld id="{E1DCD729-31D5-4480-98D7-69012EF3B7DD}" type="datetimeFigureOut">
               <a:rPr lang="en-US" smtClean="0"/>
-              <a:t>6/29/2021</a:t>
+              <a:t>6/30/2021</a:t>
             </a:fld>
             <a:endParaRPr lang="en-US"/>
           </a:p>
@@ -5214,7 +5362,7 @@
           <a:p>
             <a:fld id="{E1DCD729-31D5-4480-98D7-69012EF3B7DD}" type="datetimeFigureOut">
               <a:rPr lang="en-US" smtClean="0"/>
-              <a:t>6/29/2021</a:t>
+              <a:t>6/30/2021</a:t>
             </a:fld>
             <a:endParaRPr lang="en-US"/>
           </a:p>
@@ -5525,7 +5673,7 @@
           <a:p>
             <a:fld id="{E1DCD729-31D5-4480-98D7-69012EF3B7DD}" type="datetimeFigureOut">
               <a:rPr lang="en-US" smtClean="0"/>
-              <a:t>6/29/2021</a:t>
+              <a:t>6/30/2021</a:t>
             </a:fld>
             <a:endParaRPr lang="en-US"/>
           </a:p>
@@ -5813,7 +5961,7 @@
           <a:p>
             <a:fld id="{E1DCD729-31D5-4480-98D7-69012EF3B7DD}" type="datetimeFigureOut">
               <a:rPr lang="en-US" smtClean="0"/>
-              <a:t>6/29/2021</a:t>
+              <a:t>6/30/2021</a:t>
             </a:fld>
             <a:endParaRPr lang="en-US"/>
           </a:p>
@@ -6063,7 +6211,7 @@
           <a:p>
             <a:fld id="{E1DCD729-31D5-4480-98D7-69012EF3B7DD}" type="datetimeFigureOut">
               <a:rPr lang="en-US" smtClean="0"/>
-              <a:t>6/29/2021</a:t>
+              <a:t>6/30/2021</a:t>
             </a:fld>
             <a:endParaRPr lang="en-US"/>
           </a:p>
@@ -19175,8 +19323,8 @@
         </p:nvSpPr>
         <p:spPr>
           <a:xfrm>
-            <a:off x="923405" y="2436132"/>
-            <a:ext cx="1828800" cy="751437"/>
+            <a:off x="391214" y="2436132"/>
+            <a:ext cx="2360991" cy="1323475"/>
           </a:xfrm>
           <a:prstGeom prst="roundRect">
             <a:avLst/>
@@ -19204,21 +19352,44 @@
           <a:p>
             <a:pPr algn="ctr"/>
             <a:r>
-              <a:rPr lang="es-ES" dirty="0" err="1"/>
+              <a:rPr lang="es-ES" sz="2400" dirty="0" err="1"/>
               <a:t>Sous</a:t>
             </a:r>
             <a:r>
-              <a:rPr lang="es-ES" dirty="0"/>
+              <a:rPr lang="es-ES" sz="2400" dirty="0"/>
               <a:t>-ensemble</a:t>
             </a:r>
+          </a:p>
+          <a:p>
+            <a:pPr algn="ctr"/>
+            <a:r>
+              <a:rPr lang="es-ES" sz="2400" dirty="0" err="1"/>
+              <a:t>sans</a:t>
+            </a:r>
+            <a:r>
+              <a:rPr lang="es-ES" sz="2400" dirty="0"/>
+              <a:t> </a:t>
+            </a:r>
+            <a:r>
+              <a:rPr lang="es-ES" sz="2400" dirty="0" err="1"/>
+              <a:t>valuers</a:t>
+            </a:r>
+            <a:r>
+              <a:rPr lang="es-ES" sz="2400" dirty="0"/>
+              <a:t> </a:t>
+            </a:r>
+            <a:r>
+              <a:rPr lang="es-ES" sz="2400" dirty="0" err="1"/>
+              <a:t>null</a:t>
+            </a:r>
             <a:br>
-              <a:rPr lang="es-ES" dirty="0"/>
+              <a:rPr lang="es-ES" sz="2400" dirty="0"/>
             </a:br>
             <a:r>
-              <a:rPr lang="es-ES" dirty="0"/>
+              <a:rPr lang="es-ES" sz="2400" dirty="0"/>
               <a:t>(11325 x 9)</a:t>
             </a:r>
-            <a:endParaRPr lang="fr-FR" dirty="0"/>
+            <a:endParaRPr lang="fr-FR" sz="2400" dirty="0"/>
           </a:p>
         </p:txBody>
       </p:sp>
@@ -19358,6 +19529,7 @@
             </a:extLst>
           </p:cNvPr>
           <p:cNvCxnSpPr>
+            <a:cxnSpLocks/>
             <a:stCxn id="2" idx="3"/>
             <a:endCxn id="9" idx="1"/>
           </p:cNvCxnSpPr>
@@ -19366,7 +19538,7 @@
         <p:spPr>
           <a:xfrm flipV="1">
             <a:off x="2752205" y="2167546"/>
-            <a:ext cx="703152" cy="644305"/>
+            <a:ext cx="703152" cy="930324"/>
           </a:xfrm>
           <a:prstGeom prst="straightConnector1">
             <a:avLst/>
@@ -19410,8 +19582,8 @@
         </p:nvCxnSpPr>
         <p:spPr>
           <a:xfrm>
-            <a:off x="2752205" y="2811851"/>
-            <a:ext cx="657934" cy="537852"/>
+            <a:off x="2752205" y="3097870"/>
+            <a:ext cx="657934" cy="251833"/>
           </a:xfrm>
           <a:prstGeom prst="straightConnector1">
             <a:avLst/>
@@ -19797,7 +19969,7 @@
         <p:spPr>
           <a:xfrm flipV="1">
             <a:off x="2752205" y="2811850"/>
-            <a:ext cx="6323589" cy="1"/>
+            <a:ext cx="6323589" cy="286020"/>
           </a:xfrm>
           <a:prstGeom prst="straightConnector1">
             <a:avLst/>
@@ -20015,36 +20187,42 @@
           </a:p>
         </p:txBody>
       </p:sp>
-      <p:pic>
-        <p:nvPicPr>
-          <p:cNvPr id="7" name="Image 6">
-            <a:extLst>
-              <a:ext uri="{FF2B5EF4-FFF2-40B4-BE49-F238E27FC236}">
-                <a16:creationId xmlns:a16="http://schemas.microsoft.com/office/drawing/2014/main" id="{2E4AA8CD-CAD8-45D9-A9D9-DD7F8C771430}"/>
-              </a:ext>
-            </a:extLst>
-          </p:cNvPr>
-          <p:cNvPicPr>
-            <a:picLocks noChangeAspect="1"/>
-          </p:cNvPicPr>
-          <p:nvPr/>
-        </p:nvPicPr>
-        <p:blipFill>
-          <a:blip r:embed="rId2"/>
-          <a:stretch>
-            <a:fillRect/>
-          </a:stretch>
-        </p:blipFill>
-        <p:spPr>
-          <a:xfrm>
-            <a:off x="-863439" y="2981430"/>
-            <a:ext cx="5797103" cy="2742137"/>
+      <p:sp>
+        <p:nvSpPr>
+          <p:cNvPr id="29" name="ZoneTexte 28">
+            <a:extLst>
+              <a:ext uri="{FF2B5EF4-FFF2-40B4-BE49-F238E27FC236}">
+                <a16:creationId xmlns:a16="http://schemas.microsoft.com/office/drawing/2014/main" id="{7876C8C3-5B22-482E-89E4-775D0E890FD6}"/>
+              </a:ext>
+            </a:extLst>
+          </p:cNvPr>
+          <p:cNvSpPr txBox="1"/>
+          <p:nvPr/>
+        </p:nvSpPr>
+        <p:spPr>
+          <a:xfrm>
+            <a:off x="3049524" y="3248906"/>
+            <a:ext cx="6099048" cy="369332"/>
           </a:xfrm>
           <a:prstGeom prst="rect">
             <a:avLst/>
           </a:prstGeom>
-        </p:spPr>
-      </p:pic>
+          <a:noFill/>
+        </p:spPr>
+        <p:txBody>
+          <a:bodyPr wrap="square">
+            <a:spAutoFit/>
+          </a:bodyPr>
+          <a:lstStyle/>
+          <a:p>
+            <a:r>
+              <a:rPr lang="fr-FR" dirty="0" err="1"/>
+              <a:t>data_cleaned</a:t>
+            </a:r>
+            <a:endParaRPr lang="fr-FR" dirty="0"/>
+          </a:p>
+        </p:txBody>
+      </p:sp>
     </p:spTree>
     <p:extLst>
       <p:ext uri="{BB962C8B-B14F-4D97-AF65-F5344CB8AC3E}">
@@ -20077,10 +20255,10 @@
       </p:grpSpPr>
       <p:sp>
         <p:nvSpPr>
-          <p:cNvPr id="5" name="Rectangle 4">
-            <a:extLst>
-              <a:ext uri="{FF2B5EF4-FFF2-40B4-BE49-F238E27FC236}">
-                <a16:creationId xmlns:a16="http://schemas.microsoft.com/office/drawing/2014/main" id="{A00233D2-38CE-441F-90C9-32F91999758A}"/>
+          <p:cNvPr id="18" name="Rectangle : coins arrondis 17">
+            <a:extLst>
+              <a:ext uri="{FF2B5EF4-FFF2-40B4-BE49-F238E27FC236}">
+                <a16:creationId xmlns:a16="http://schemas.microsoft.com/office/drawing/2014/main" id="{FD2A12AC-15B5-42CD-B326-A1BEE726E9E3}"/>
               </a:ext>
             </a:extLst>
           </p:cNvPr>
@@ -20089,18 +20267,22 @@
         </p:nvSpPr>
         <p:spPr>
           <a:xfrm>
-            <a:off x="0" y="6400273"/>
-            <a:ext cx="12192000" cy="457727"/>
-          </a:xfrm>
-          <a:prstGeom prst="rect">
+            <a:off x="3305039" y="1821555"/>
+            <a:ext cx="2790961" cy="2820712"/>
+          </a:xfrm>
+          <a:prstGeom prst="roundRect">
             <a:avLst/>
           </a:prstGeom>
           <a:solidFill>
-            <a:srgbClr val="7451EB"/>
+            <a:schemeClr val="bg1">
+              <a:lumMod val="85000"/>
+            </a:schemeClr>
           </a:solidFill>
           <a:ln>
             <a:solidFill>
-              <a:srgbClr val="7451EB"/>
+              <a:schemeClr val="bg1">
+                <a:lumMod val="85000"/>
+              </a:schemeClr>
             </a:solidFill>
           </a:ln>
         </p:spPr>
@@ -20125,192 +20307,16 @@
           <a:lstStyle/>
           <a:p>
             <a:pPr algn="ctr"/>
-            <a:endParaRPr lang="en-US" dirty="0"/>
-          </a:p>
-        </p:txBody>
-      </p:sp>
-      <p:sp>
-        <p:nvSpPr>
-          <p:cNvPr id="8" name="TextBox 3">
-            <a:extLst>
-              <a:ext uri="{FF2B5EF4-FFF2-40B4-BE49-F238E27FC236}">
-                <a16:creationId xmlns:a16="http://schemas.microsoft.com/office/drawing/2014/main" id="{24081931-CD0C-485C-9C3E-E7C2A4D4ABCE}"/>
-              </a:ext>
-            </a:extLst>
-          </p:cNvPr>
-          <p:cNvSpPr txBox="1"/>
-          <p:nvPr/>
-        </p:nvSpPr>
-        <p:spPr>
-          <a:xfrm>
-            <a:off x="0" y="6475247"/>
-            <a:ext cx="6096000" cy="307777"/>
-          </a:xfrm>
-          <a:prstGeom prst="rect">
-            <a:avLst/>
-          </a:prstGeom>
-          <a:noFill/>
-        </p:spPr>
-        <p:txBody>
-          <a:bodyPr wrap="square" rtlCol="0">
-            <a:spAutoFit/>
-          </a:bodyPr>
-          <a:lstStyle/>
-          <a:p>
-            <a:r>
-              <a:rPr lang="fr-FR" sz="1400" b="1" dirty="0">
-                <a:ln>
-                  <a:solidFill>
-                    <a:schemeClr val="bg1"/>
-                  </a:solidFill>
-                </a:ln>
-                <a:solidFill>
-                  <a:schemeClr val="bg1"/>
-                </a:solidFill>
-                <a:latin typeface="+mj-lt"/>
-              </a:rPr>
-              <a:t>Project 3 -  Conception d’une application au service de la santé publique</a:t>
-            </a:r>
-          </a:p>
-        </p:txBody>
-      </p:sp>
-      <p:sp>
-        <p:nvSpPr>
-          <p:cNvPr id="15" name="TextBox 3">
-            <a:extLst>
-              <a:ext uri="{FF2B5EF4-FFF2-40B4-BE49-F238E27FC236}">
-                <a16:creationId xmlns:a16="http://schemas.microsoft.com/office/drawing/2014/main" id="{47FC2DCC-BDE9-485D-AF79-4177B5479110}"/>
-              </a:ext>
-            </a:extLst>
-          </p:cNvPr>
-          <p:cNvSpPr txBox="1"/>
-          <p:nvPr/>
-        </p:nvSpPr>
-        <p:spPr>
-          <a:xfrm>
-            <a:off x="10543592" y="6475247"/>
-            <a:ext cx="1648408" cy="307777"/>
-          </a:xfrm>
-          <a:prstGeom prst="rect">
-            <a:avLst/>
-          </a:prstGeom>
-          <a:noFill/>
-        </p:spPr>
-        <p:txBody>
-          <a:bodyPr wrap="square" rtlCol="0">
-            <a:spAutoFit/>
-          </a:bodyPr>
-          <a:lstStyle/>
-          <a:p>
-            <a:pPr algn="r"/>
-            <a:r>
-              <a:rPr lang="es-CO" sz="1400" b="1" i="1" dirty="0" err="1">
-                <a:ln>
-                  <a:solidFill>
-                    <a:schemeClr val="bg1"/>
-                  </a:solidFill>
-                </a:ln>
-                <a:solidFill>
-                  <a:schemeClr val="bg1"/>
-                </a:solidFill>
-                <a:latin typeface="+mj-lt"/>
-              </a:rPr>
-              <a:t>OpenClassrooms</a:t>
-            </a:r>
-            <a:endParaRPr lang="en-US" sz="1400" b="1" i="1" dirty="0">
-              <a:ln>
-                <a:solidFill>
-                  <a:schemeClr val="bg1"/>
-                </a:solidFill>
-              </a:ln>
-              <a:solidFill>
-                <a:schemeClr val="bg1"/>
-              </a:solidFill>
-              <a:latin typeface="+mj-lt"/>
-            </a:endParaRPr>
-          </a:p>
-        </p:txBody>
-      </p:sp>
-      <p:sp>
-        <p:nvSpPr>
-          <p:cNvPr id="10" name="Titre 1">
-            <a:extLst>
-              <a:ext uri="{FF2B5EF4-FFF2-40B4-BE49-F238E27FC236}">
-                <a16:creationId xmlns:a16="http://schemas.microsoft.com/office/drawing/2014/main" id="{224E5C7D-3656-459F-9C01-61200508167F}"/>
-              </a:ext>
-            </a:extLst>
-          </p:cNvPr>
-          <p:cNvSpPr txBox="1">
-            <a:spLocks/>
-          </p:cNvSpPr>
-          <p:nvPr/>
-        </p:nvSpPr>
-        <p:spPr>
-          <a:xfrm>
-            <a:off x="279918" y="432794"/>
-            <a:ext cx="10263674" cy="820048"/>
-          </a:xfrm>
-          <a:prstGeom prst="rect">
-            <a:avLst/>
-          </a:prstGeom>
-        </p:spPr>
-        <p:txBody>
-          <a:bodyPr vert="horz" lIns="91440" tIns="45720" rIns="91440" bIns="45720" rtlCol="0" anchor="ctr">
-            <a:normAutofit/>
-          </a:bodyPr>
-          <a:lstStyle>
-            <a:lvl1pPr algn="l" defTabSz="914400" rtl="0" eaLnBrk="1" latinLnBrk="0" hangingPunct="1">
-              <a:lnSpc>
-                <a:spcPct val="90000"/>
-              </a:lnSpc>
-              <a:spcBef>
-                <a:spcPct val="0"/>
-              </a:spcBef>
-              <a:buNone/>
-              <a:defRPr sz="4400" kern="1200">
-                <a:solidFill>
-                  <a:schemeClr val="tx1"/>
-                </a:solidFill>
-                <a:latin typeface="+mj-lt"/>
-                <a:ea typeface="+mj-ea"/>
-                <a:cs typeface="+mj-cs"/>
-              </a:defRPr>
-            </a:lvl1pPr>
-          </a:lstStyle>
-          <a:p>
-            <a:r>
-              <a:rPr lang="fr-FR" sz="4000" b="1" dirty="0">
-                <a:ln>
-                  <a:solidFill>
-                    <a:srgbClr val="7451EB"/>
-                  </a:solidFill>
-                </a:ln>
-                <a:solidFill>
-                  <a:srgbClr val="7451EB"/>
-                </a:solidFill>
-                <a:latin typeface="Google Sans"/>
-              </a:rPr>
-              <a:t>Diviser le sous-ensemble</a:t>
-            </a:r>
-            <a:endParaRPr lang="es-419" sz="4000" b="1" u="sng" dirty="0">
-              <a:ln>
-                <a:solidFill>
-                  <a:srgbClr val="7451EB"/>
-                </a:solidFill>
-              </a:ln>
-              <a:solidFill>
-                <a:srgbClr val="7451EB"/>
-              </a:solidFill>
-            </a:endParaRPr>
-          </a:p>
-        </p:txBody>
-      </p:sp>
-      <p:sp>
-        <p:nvSpPr>
-          <p:cNvPr id="11" name="Rectángulo 4">
-            <a:extLst>
-              <a:ext uri="{FF2B5EF4-FFF2-40B4-BE49-F238E27FC236}">
-                <a16:creationId xmlns:a16="http://schemas.microsoft.com/office/drawing/2014/main" id="{B84F0FDC-2C73-4C87-9CC7-F9F129B3A699}"/>
+            <a:endParaRPr lang="fr-FR"/>
+          </a:p>
+        </p:txBody>
+      </p:sp>
+      <p:sp>
+        <p:nvSpPr>
+          <p:cNvPr id="5" name="Rectangle 4">
+            <a:extLst>
+              <a:ext uri="{FF2B5EF4-FFF2-40B4-BE49-F238E27FC236}">
+                <a16:creationId xmlns:a16="http://schemas.microsoft.com/office/drawing/2014/main" id="{A00233D2-38CE-441F-90C9-32F91999758A}"/>
               </a:ext>
             </a:extLst>
           </p:cNvPr>
@@ -20319,8 +20325,8 @@
         </p:nvSpPr>
         <p:spPr>
           <a:xfrm>
-            <a:off x="377906" y="378794"/>
-            <a:ext cx="366721" cy="54000"/>
+            <a:off x="0" y="6400273"/>
+            <a:ext cx="12192000" cy="457727"/>
           </a:xfrm>
           <a:prstGeom prst="rect">
             <a:avLst/>
@@ -20355,7 +20361,174 @@
           <a:lstStyle/>
           <a:p>
             <a:pPr algn="ctr"/>
-            <a:endParaRPr lang="es-AR">
+            <a:endParaRPr lang="en-US" dirty="0"/>
+          </a:p>
+        </p:txBody>
+      </p:sp>
+      <p:sp>
+        <p:nvSpPr>
+          <p:cNvPr id="8" name="TextBox 3">
+            <a:extLst>
+              <a:ext uri="{FF2B5EF4-FFF2-40B4-BE49-F238E27FC236}">
+                <a16:creationId xmlns:a16="http://schemas.microsoft.com/office/drawing/2014/main" id="{24081931-CD0C-485C-9C3E-E7C2A4D4ABCE}"/>
+              </a:ext>
+            </a:extLst>
+          </p:cNvPr>
+          <p:cNvSpPr txBox="1"/>
+          <p:nvPr/>
+        </p:nvSpPr>
+        <p:spPr>
+          <a:xfrm>
+            <a:off x="0" y="6475247"/>
+            <a:ext cx="6096000" cy="307777"/>
+          </a:xfrm>
+          <a:prstGeom prst="rect">
+            <a:avLst/>
+          </a:prstGeom>
+          <a:noFill/>
+        </p:spPr>
+        <p:txBody>
+          <a:bodyPr wrap="square" rtlCol="0">
+            <a:spAutoFit/>
+          </a:bodyPr>
+          <a:lstStyle/>
+          <a:p>
+            <a:r>
+              <a:rPr lang="fr-FR" sz="1400" b="1" dirty="0">
+                <a:ln>
+                  <a:solidFill>
+                    <a:schemeClr val="bg1"/>
+                  </a:solidFill>
+                </a:ln>
+                <a:solidFill>
+                  <a:schemeClr val="bg1"/>
+                </a:solidFill>
+                <a:latin typeface="+mj-lt"/>
+              </a:rPr>
+              <a:t>Project 3 -  Conception d’une application au service de la santé publique</a:t>
+            </a:r>
+          </a:p>
+        </p:txBody>
+      </p:sp>
+      <p:sp>
+        <p:nvSpPr>
+          <p:cNvPr id="15" name="TextBox 3">
+            <a:extLst>
+              <a:ext uri="{FF2B5EF4-FFF2-40B4-BE49-F238E27FC236}">
+                <a16:creationId xmlns:a16="http://schemas.microsoft.com/office/drawing/2014/main" id="{47FC2DCC-BDE9-485D-AF79-4177B5479110}"/>
+              </a:ext>
+            </a:extLst>
+          </p:cNvPr>
+          <p:cNvSpPr txBox="1"/>
+          <p:nvPr/>
+        </p:nvSpPr>
+        <p:spPr>
+          <a:xfrm>
+            <a:off x="10543592" y="6475247"/>
+            <a:ext cx="1648408" cy="307777"/>
+          </a:xfrm>
+          <a:prstGeom prst="rect">
+            <a:avLst/>
+          </a:prstGeom>
+          <a:noFill/>
+        </p:spPr>
+        <p:txBody>
+          <a:bodyPr wrap="square" rtlCol="0">
+            <a:spAutoFit/>
+          </a:bodyPr>
+          <a:lstStyle/>
+          <a:p>
+            <a:pPr algn="r"/>
+            <a:r>
+              <a:rPr lang="es-CO" sz="1400" b="1" i="1" dirty="0" err="1">
+                <a:ln>
+                  <a:solidFill>
+                    <a:schemeClr val="bg1"/>
+                  </a:solidFill>
+                </a:ln>
+                <a:solidFill>
+                  <a:schemeClr val="bg1"/>
+                </a:solidFill>
+                <a:latin typeface="+mj-lt"/>
+              </a:rPr>
+              <a:t>OpenClassrooms</a:t>
+            </a:r>
+            <a:endParaRPr lang="en-US" sz="1400" b="1" i="1" dirty="0">
+              <a:ln>
+                <a:solidFill>
+                  <a:schemeClr val="bg1"/>
+                </a:solidFill>
+              </a:ln>
+              <a:solidFill>
+                <a:schemeClr val="bg1"/>
+              </a:solidFill>
+              <a:latin typeface="+mj-lt"/>
+            </a:endParaRPr>
+          </a:p>
+        </p:txBody>
+      </p:sp>
+      <p:sp>
+        <p:nvSpPr>
+          <p:cNvPr id="10" name="Titre 1">
+            <a:extLst>
+              <a:ext uri="{FF2B5EF4-FFF2-40B4-BE49-F238E27FC236}">
+                <a16:creationId xmlns:a16="http://schemas.microsoft.com/office/drawing/2014/main" id="{224E5C7D-3656-459F-9C01-61200508167F}"/>
+              </a:ext>
+            </a:extLst>
+          </p:cNvPr>
+          <p:cNvSpPr txBox="1">
+            <a:spLocks/>
+          </p:cNvSpPr>
+          <p:nvPr/>
+        </p:nvSpPr>
+        <p:spPr>
+          <a:xfrm>
+            <a:off x="279918" y="432794"/>
+            <a:ext cx="10263674" cy="820048"/>
+          </a:xfrm>
+          <a:prstGeom prst="rect">
+            <a:avLst/>
+          </a:prstGeom>
+        </p:spPr>
+        <p:txBody>
+          <a:bodyPr vert="horz" lIns="91440" tIns="45720" rIns="91440" bIns="45720" rtlCol="0" anchor="ctr">
+            <a:normAutofit/>
+          </a:bodyPr>
+          <a:lstStyle>
+            <a:lvl1pPr algn="l" defTabSz="914400" rtl="0" eaLnBrk="1" latinLnBrk="0" hangingPunct="1">
+              <a:lnSpc>
+                <a:spcPct val="90000"/>
+              </a:lnSpc>
+              <a:spcBef>
+                <a:spcPct val="0"/>
+              </a:spcBef>
+              <a:buNone/>
+              <a:defRPr sz="4400" kern="1200">
+                <a:solidFill>
+                  <a:schemeClr val="tx1"/>
+                </a:solidFill>
+                <a:latin typeface="+mj-lt"/>
+                <a:ea typeface="+mj-ea"/>
+                <a:cs typeface="+mj-cs"/>
+              </a:defRPr>
+            </a:lvl1pPr>
+          </a:lstStyle>
+          <a:p>
+            <a:r>
+              <a:rPr lang="fr-FR" sz="4000" b="1" dirty="0">
+                <a:ln>
+                  <a:solidFill>
+                    <a:srgbClr val="7451EB"/>
+                  </a:solidFill>
+                </a:ln>
+                <a:solidFill>
+                  <a:srgbClr val="7451EB"/>
+                </a:solidFill>
+                <a:latin typeface="Google Sans"/>
+              </a:rPr>
+              <a:t>Diviser le sous-ensemble</a:t>
+            </a:r>
+            <a:endParaRPr lang="es-419" sz="4000" b="1" u="sng" dirty="0">
               <a:ln>
                 <a:solidFill>
                   <a:srgbClr val="7451EB"/>
@@ -20370,6 +20543,69 @@
       </p:sp>
       <p:sp>
         <p:nvSpPr>
+          <p:cNvPr id="11" name="Rectángulo 4">
+            <a:extLst>
+              <a:ext uri="{FF2B5EF4-FFF2-40B4-BE49-F238E27FC236}">
+                <a16:creationId xmlns:a16="http://schemas.microsoft.com/office/drawing/2014/main" id="{B84F0FDC-2C73-4C87-9CC7-F9F129B3A699}"/>
+              </a:ext>
+            </a:extLst>
+          </p:cNvPr>
+          <p:cNvSpPr/>
+          <p:nvPr/>
+        </p:nvSpPr>
+        <p:spPr>
+          <a:xfrm>
+            <a:off x="377906" y="378794"/>
+            <a:ext cx="366721" cy="54000"/>
+          </a:xfrm>
+          <a:prstGeom prst="rect">
+            <a:avLst/>
+          </a:prstGeom>
+          <a:solidFill>
+            <a:srgbClr val="7451EB"/>
+          </a:solidFill>
+          <a:ln>
+            <a:solidFill>
+              <a:srgbClr val="7451EB"/>
+            </a:solidFill>
+          </a:ln>
+        </p:spPr>
+        <p:style>
+          <a:lnRef idx="2">
+            <a:schemeClr val="accent1">
+              <a:shade val="50000"/>
+            </a:schemeClr>
+          </a:lnRef>
+          <a:fillRef idx="1">
+            <a:schemeClr val="accent1"/>
+          </a:fillRef>
+          <a:effectRef idx="0">
+            <a:schemeClr val="accent1"/>
+          </a:effectRef>
+          <a:fontRef idx="minor">
+            <a:schemeClr val="lt1"/>
+          </a:fontRef>
+        </p:style>
+        <p:txBody>
+          <a:bodyPr rtlCol="0" anchor="ctr"/>
+          <a:lstStyle/>
+          <a:p>
+            <a:pPr algn="ctr"/>
+            <a:endParaRPr lang="es-AR">
+              <a:ln>
+                <a:solidFill>
+                  <a:srgbClr val="7451EB"/>
+                </a:solidFill>
+              </a:ln>
+              <a:solidFill>
+                <a:srgbClr val="7451EB"/>
+              </a:solidFill>
+            </a:endParaRPr>
+          </a:p>
+        </p:txBody>
+      </p:sp>
+      <p:sp>
+        <p:nvSpPr>
           <p:cNvPr id="2" name="Rectangle : coins arrondis 1">
             <a:extLst>
               <a:ext uri="{FF2B5EF4-FFF2-40B4-BE49-F238E27FC236}">
@@ -20382,8 +20618,8 @@
         </p:nvSpPr>
         <p:spPr>
           <a:xfrm>
-            <a:off x="923405" y="2436132"/>
-            <a:ext cx="1828800" cy="751437"/>
+            <a:off x="391214" y="2710836"/>
+            <a:ext cx="2360991" cy="1323475"/>
           </a:xfrm>
           <a:prstGeom prst="roundRect">
             <a:avLst/>
@@ -20411,21 +20647,44 @@
           <a:p>
             <a:pPr algn="ctr"/>
             <a:r>
-              <a:rPr lang="es-ES" dirty="0" err="1"/>
+              <a:rPr lang="es-ES" sz="2400" dirty="0" err="1"/>
               <a:t>Sous</a:t>
             </a:r>
             <a:r>
-              <a:rPr lang="es-ES" dirty="0"/>
+              <a:rPr lang="es-ES" sz="2400" dirty="0"/>
               <a:t>-ensemble</a:t>
             </a:r>
+          </a:p>
+          <a:p>
+            <a:pPr algn="ctr"/>
+            <a:r>
+              <a:rPr lang="es-ES" sz="2400" dirty="0" err="1"/>
+              <a:t>sans</a:t>
+            </a:r>
+            <a:r>
+              <a:rPr lang="es-ES" sz="2400" dirty="0"/>
+              <a:t> </a:t>
+            </a:r>
+            <a:r>
+              <a:rPr lang="es-ES" sz="2400" dirty="0" err="1"/>
+              <a:t>valuers</a:t>
+            </a:r>
+            <a:r>
+              <a:rPr lang="es-ES" sz="2400" dirty="0"/>
+              <a:t> </a:t>
+            </a:r>
+            <a:r>
+              <a:rPr lang="es-ES" sz="2400" dirty="0" err="1"/>
+              <a:t>null</a:t>
+            </a:r>
             <a:br>
-              <a:rPr lang="es-ES" dirty="0"/>
+              <a:rPr lang="es-ES" sz="2400" dirty="0"/>
             </a:br>
             <a:r>
-              <a:rPr lang="es-ES" dirty="0"/>
+              <a:rPr lang="es-ES" sz="2400" dirty="0"/>
               <a:t>(11325 x 9)</a:t>
             </a:r>
-            <a:endParaRPr lang="fr-FR" dirty="0"/>
+            <a:endParaRPr lang="fr-FR" sz="2400" dirty="0"/>
           </a:p>
         </p:txBody>
       </p:sp>
@@ -20443,7 +20702,7 @@
         </p:nvSpPr>
         <p:spPr>
           <a:xfrm>
-            <a:off x="3455357" y="1791827"/>
+            <a:off x="3786119" y="2634047"/>
             <a:ext cx="1828800" cy="751437"/>
           </a:xfrm>
           <a:prstGeom prst="roundRect">
@@ -20504,7 +20763,7 @@
         </p:nvSpPr>
         <p:spPr>
           <a:xfrm>
-            <a:off x="3455357" y="2994429"/>
+            <a:off x="3786119" y="3654718"/>
             <a:ext cx="1828800" cy="751437"/>
           </a:xfrm>
           <a:prstGeom prst="roundRect">
@@ -20565,6 +20824,7 @@
             </a:extLst>
           </p:cNvPr>
           <p:cNvCxnSpPr>
+            <a:cxnSpLocks/>
             <a:stCxn id="2" idx="3"/>
             <a:endCxn id="9" idx="1"/>
           </p:cNvCxnSpPr>
@@ -20572,8 +20832,8 @@
         </p:nvCxnSpPr>
         <p:spPr>
           <a:xfrm flipV="1">
-            <a:off x="2752205" y="2167546"/>
-            <a:ext cx="703152" cy="644305"/>
+            <a:off x="2752205" y="3009766"/>
+            <a:ext cx="1033914" cy="362808"/>
           </a:xfrm>
           <a:prstGeom prst="straightConnector1">
             <a:avLst/>
@@ -20611,14 +20871,15 @@
           </p:cNvPr>
           <p:cNvCxnSpPr>
             <a:cxnSpLocks/>
-            <a:stCxn id="2" idx="3"/>
+            <a:stCxn id="9" idx="3"/>
+            <a:endCxn id="28" idx="1"/>
           </p:cNvCxnSpPr>
           <p:nvPr/>
         </p:nvCxnSpPr>
         <p:spPr>
           <a:xfrm>
-            <a:off x="2752205" y="2811851"/>
-            <a:ext cx="657934" cy="537852"/>
+            <a:off x="5614919" y="3009766"/>
+            <a:ext cx="1358610" cy="2434846"/>
           </a:xfrm>
           <a:prstGeom prst="straightConnector1">
             <a:avLst/>
@@ -20659,7 +20920,7 @@
         </p:nvSpPr>
         <p:spPr>
           <a:xfrm>
-            <a:off x="3455357" y="4247320"/>
+            <a:off x="3786119" y="4906003"/>
             <a:ext cx="1828800" cy="1077218"/>
           </a:xfrm>
           <a:prstGeom prst="rect">
@@ -20729,7 +20990,7 @@
         </p:nvSpPr>
         <p:spPr>
           <a:xfrm>
-            <a:off x="4933664" y="1533462"/>
+            <a:off x="5238033" y="2370311"/>
             <a:ext cx="700986" cy="369332"/>
           </a:xfrm>
           <a:prstGeom prst="rect">
@@ -20779,7 +21040,7 @@
         </p:nvSpPr>
         <p:spPr>
           <a:xfrm>
-            <a:off x="6314812" y="3387947"/>
+            <a:off x="6973529" y="5068893"/>
             <a:ext cx="1996339" cy="751437"/>
           </a:xfrm>
           <a:prstGeom prst="roundRect">
@@ -20844,9 +21105,9 @@
           <p:nvPr/>
         </p:nvCxnSpPr>
         <p:spPr>
-          <a:xfrm flipV="1">
-            <a:off x="5284157" y="3763666"/>
-            <a:ext cx="1030655" cy="1022263"/>
+          <a:xfrm>
+            <a:off x="5614919" y="5444612"/>
+            <a:ext cx="1358610" cy="0"/>
           </a:xfrm>
           <a:prstGeom prst="straightConnector1">
             <a:avLst/>
@@ -20887,17 +21148,14 @@
         </p:nvSpPr>
         <p:spPr>
           <a:xfrm>
-            <a:off x="7960233" y="4028376"/>
+            <a:off x="7895615" y="4821146"/>
             <a:ext cx="1425971" cy="369332"/>
           </a:xfrm>
           <a:prstGeom prst="rect">
             <a:avLst/>
           </a:prstGeom>
           <a:solidFill>
-            <a:schemeClr val="accent6">
-              <a:lumMod val="40000"/>
-              <a:lumOff val="60000"/>
-            </a:schemeClr>
+            <a:srgbClr val="C5E0B4"/>
           </a:solidFill>
         </p:spPr>
         <p:txBody>
@@ -20953,8 +21211,8 @@
         </p:nvSpPr>
         <p:spPr>
           <a:xfrm>
-            <a:off x="9075794" y="2550240"/>
-            <a:ext cx="2176558" cy="523220"/>
+            <a:off x="9233819" y="3049408"/>
+            <a:ext cx="1887571" cy="461665"/>
           </a:xfrm>
           <a:prstGeom prst="rect">
             <a:avLst/>
@@ -20962,7 +21220,7 @@
           <a:noFill/>
           <a:ln w="19050">
             <a:solidFill>
-              <a:srgbClr val="548235"/>
+              <a:srgbClr val="C00000"/>
             </a:solidFill>
             <a:prstDash val="lgDash"/>
           </a:ln>
@@ -20975,9 +21233,14 @@
           <a:p>
             <a:pPr algn="ctr"/>
             <a:r>
-              <a:rPr lang="fr-FR" sz="2800" b="1" dirty="0">
-                <a:solidFill>
-                  <a:srgbClr val="548235"/>
+              <a:rPr lang="fr-FR" sz="2400" dirty="0">
+                <a:ln>
+                  <a:solidFill>
+                    <a:srgbClr val="C00000"/>
+                  </a:solidFill>
+                </a:ln>
+                <a:solidFill>
+                  <a:srgbClr val="C00000"/>
                 </a:solidFill>
               </a:rPr>
               <a:t>Comparaison</a:t>
@@ -20987,24 +21250,145 @@
       </p:sp>
       <p:cxnSp>
         <p:nvCxnSpPr>
-          <p:cNvPr id="40" name="Connecteur droit avec flèche 39">
-            <a:extLst>
-              <a:ext uri="{FF2B5EF4-FFF2-40B4-BE49-F238E27FC236}">
-                <a16:creationId xmlns:a16="http://schemas.microsoft.com/office/drawing/2014/main" id="{847F8646-7555-441C-881C-4281D1C958CC}"/>
+          <p:cNvPr id="65" name="Connecteur droit avec flèche 64">
+            <a:extLst>
+              <a:ext uri="{FF2B5EF4-FFF2-40B4-BE49-F238E27FC236}">
+                <a16:creationId xmlns:a16="http://schemas.microsoft.com/office/drawing/2014/main" id="{2DA350A6-D28B-44E2-A6E8-7C2A42744802}"/>
+              </a:ext>
+            </a:extLst>
+          </p:cNvPr>
+          <p:cNvCxnSpPr>
+            <a:cxnSpLocks/>
+            <a:stCxn id="12" idx="2"/>
+          </p:cNvCxnSpPr>
+          <p:nvPr/>
+        </p:nvCxnSpPr>
+        <p:spPr>
+          <a:xfrm>
+            <a:off x="4700519" y="4406155"/>
+            <a:ext cx="0" cy="499848"/>
+          </a:xfrm>
+          <a:prstGeom prst="straightConnector1">
+            <a:avLst/>
+          </a:prstGeom>
+          <a:ln w="38100">
+            <a:solidFill>
+              <a:schemeClr val="accent4"/>
+            </a:solidFill>
+            <a:tailEnd type="triangle"/>
+          </a:ln>
+        </p:spPr>
+        <p:style>
+          <a:lnRef idx="1">
+            <a:schemeClr val="accent1"/>
+          </a:lnRef>
+          <a:fillRef idx="0">
+            <a:schemeClr val="accent1"/>
+          </a:fillRef>
+          <a:effectRef idx="0">
+            <a:schemeClr val="accent1"/>
+          </a:effectRef>
+          <a:fontRef idx="minor">
+            <a:schemeClr val="tx1"/>
+          </a:fontRef>
+        </p:style>
+      </p:cxnSp>
+      <p:sp>
+        <p:nvSpPr>
+          <p:cNvPr id="31" name="Titre 1">
+            <a:extLst>
+              <a:ext uri="{FF2B5EF4-FFF2-40B4-BE49-F238E27FC236}">
+                <a16:creationId xmlns:a16="http://schemas.microsoft.com/office/drawing/2014/main" id="{820ABD77-D8C1-4202-A373-9BDDE9BCE53C}"/>
+              </a:ext>
+            </a:extLst>
+          </p:cNvPr>
+          <p:cNvSpPr txBox="1">
+            <a:spLocks/>
+          </p:cNvSpPr>
+          <p:nvPr/>
+        </p:nvSpPr>
+        <p:spPr>
+          <a:xfrm>
+            <a:off x="3953238" y="1906648"/>
+            <a:ext cx="1494562" cy="457727"/>
+          </a:xfrm>
+          <a:prstGeom prst="rect">
+            <a:avLst/>
+          </a:prstGeom>
+        </p:spPr>
+        <p:txBody>
+          <a:bodyPr vert="horz" lIns="91440" tIns="45720" rIns="91440" bIns="45720" rtlCol="0" anchor="ctr">
+            <a:noAutofit/>
+          </a:bodyPr>
+          <a:lstStyle>
+            <a:lvl1pPr algn="l" defTabSz="914400" rtl="0" eaLnBrk="1" latinLnBrk="0" hangingPunct="1">
+              <a:lnSpc>
+                <a:spcPct val="90000"/>
+              </a:lnSpc>
+              <a:spcBef>
+                <a:spcPct val="0"/>
+              </a:spcBef>
+              <a:buNone/>
+              <a:defRPr sz="4400" kern="1200">
+                <a:solidFill>
+                  <a:schemeClr val="tx1"/>
+                </a:solidFill>
+                <a:latin typeface="+mj-lt"/>
+                <a:ea typeface="+mj-ea"/>
+                <a:cs typeface="+mj-cs"/>
+              </a:defRPr>
+            </a:lvl1pPr>
+          </a:lstStyle>
+          <a:p>
+            <a:pPr algn="ctr"/>
+            <a:r>
+              <a:rPr lang="fr-FR" sz="2400" b="1" dirty="0">
+                <a:ln>
+                  <a:solidFill>
+                    <a:srgbClr val="7451EB"/>
+                  </a:solidFill>
+                </a:ln>
+                <a:solidFill>
+                  <a:srgbClr val="41719C"/>
+                </a:solidFill>
+                <a:latin typeface="+mn-lt"/>
+              </a:rPr>
+              <a:t>train/test</a:t>
+            </a:r>
+            <a:endParaRPr lang="es-419" sz="2400" b="1" u="sng" dirty="0">
+              <a:ln>
+                <a:solidFill>
+                  <a:srgbClr val="7451EB"/>
+                </a:solidFill>
+              </a:ln>
+              <a:solidFill>
+                <a:srgbClr val="41719C"/>
+              </a:solidFill>
+              <a:latin typeface="+mn-lt"/>
+            </a:endParaRPr>
+          </a:p>
+        </p:txBody>
+      </p:sp>
+      <p:cxnSp>
+        <p:nvCxnSpPr>
+          <p:cNvPr id="48" name="Connecteur droit avec flèche 47">
+            <a:extLst>
+              <a:ext uri="{FF2B5EF4-FFF2-40B4-BE49-F238E27FC236}">
+                <a16:creationId xmlns:a16="http://schemas.microsoft.com/office/drawing/2014/main" id="{95B176D7-3BDA-4816-BF30-45B077C91137}"/>
               </a:ext>
             </a:extLst>
           </p:cNvPr>
           <p:cNvCxnSpPr>
             <a:cxnSpLocks/>
             <a:stCxn id="2" idx="3"/>
-            <a:endCxn id="39" idx="1"/>
+            <a:endCxn id="12" idx="1"/>
           </p:cNvCxnSpPr>
           <p:nvPr/>
         </p:nvCxnSpPr>
         <p:spPr>
-          <a:xfrm flipV="1">
-            <a:off x="2752205" y="2811850"/>
-            <a:ext cx="6323589" cy="1"/>
+          <a:xfrm>
+            <a:off x="2752205" y="3372574"/>
+            <a:ext cx="1033914" cy="657863"/>
           </a:xfrm>
           <a:prstGeom prst="straightConnector1">
             <a:avLst/>
@@ -21033,31 +21417,31 @@
       </p:cxnSp>
       <p:cxnSp>
         <p:nvCxnSpPr>
-          <p:cNvPr id="33" name="Connecteur droit avec flèche 32">
-            <a:extLst>
-              <a:ext uri="{FF2B5EF4-FFF2-40B4-BE49-F238E27FC236}">
-                <a16:creationId xmlns:a16="http://schemas.microsoft.com/office/drawing/2014/main" id="{47CC02FD-08CF-4086-8EA5-3A331447100F}"/>
+          <p:cNvPr id="55" name="Connecteur : en arc 54">
+            <a:extLst>
+              <a:ext uri="{FF2B5EF4-FFF2-40B4-BE49-F238E27FC236}">
+                <a16:creationId xmlns:a16="http://schemas.microsoft.com/office/drawing/2014/main" id="{B00CBB8A-651A-47C3-9378-99895D9A08FA}"/>
               </a:ext>
             </a:extLst>
           </p:cNvPr>
           <p:cNvCxnSpPr>
             <a:cxnSpLocks/>
-            <a:stCxn id="9" idx="3"/>
-            <a:endCxn id="28" idx="1"/>
+            <a:stCxn id="28" idx="3"/>
+            <a:endCxn id="39" idx="2"/>
           </p:cNvCxnSpPr>
           <p:nvPr/>
         </p:nvCxnSpPr>
         <p:spPr>
-          <a:xfrm>
-            <a:off x="5284157" y="2167546"/>
-            <a:ext cx="1030655" cy="1596120"/>
-          </a:xfrm>
-          <a:prstGeom prst="straightConnector1">
+          <a:xfrm flipV="1">
+            <a:off x="8969868" y="3511073"/>
+            <a:ext cx="1207737" cy="1933539"/>
+          </a:xfrm>
+          <a:prstGeom prst="curvedConnector2">
             <a:avLst/>
           </a:prstGeom>
           <a:ln w="38100">
             <a:solidFill>
-              <a:schemeClr val="accent4"/>
+              <a:srgbClr val="C00000"/>
             </a:solidFill>
             <a:tailEnd type="triangle"/>
           </a:ln>
@@ -21079,31 +21463,33 @@
       </p:cxnSp>
       <p:cxnSp>
         <p:nvCxnSpPr>
-          <p:cNvPr id="44" name="Connecteur droit avec flèche 43">
-            <a:extLst>
-              <a:ext uri="{FF2B5EF4-FFF2-40B4-BE49-F238E27FC236}">
-                <a16:creationId xmlns:a16="http://schemas.microsoft.com/office/drawing/2014/main" id="{DEC94D1F-4708-4912-AF50-24DD8C9E461C}"/>
+          <p:cNvPr id="57" name="Connecteur : en arc 56">
+            <a:extLst>
+              <a:ext uri="{FF2B5EF4-FFF2-40B4-BE49-F238E27FC236}">
+                <a16:creationId xmlns:a16="http://schemas.microsoft.com/office/drawing/2014/main" id="{D9B3EADB-B1D3-4BA5-82AF-0E47E77BC080}"/>
               </a:ext>
             </a:extLst>
           </p:cNvPr>
           <p:cNvCxnSpPr>
             <a:cxnSpLocks/>
-            <a:stCxn id="28" idx="3"/>
-            <a:endCxn id="39" idx="2"/>
+            <a:stCxn id="2" idx="0"/>
+            <a:endCxn id="39" idx="0"/>
           </p:cNvCxnSpPr>
           <p:nvPr/>
         </p:nvCxnSpPr>
         <p:spPr>
-          <a:xfrm flipV="1">
-            <a:off x="8311151" y="3073460"/>
-            <a:ext cx="1852922" cy="690206"/>
-          </a:xfrm>
-          <a:prstGeom prst="straightConnector1">
-            <a:avLst/>
+          <a:xfrm rot="16200000" flipH="1">
+            <a:off x="5705371" y="-1422825"/>
+            <a:ext cx="338572" cy="8605895"/>
+          </a:xfrm>
+          <a:prstGeom prst="curvedConnector3">
+            <a:avLst>
+              <a:gd name="adj1" fmla="val -421993"/>
+            </a:avLst>
           </a:prstGeom>
           <a:ln w="38100">
             <a:solidFill>
-              <a:srgbClr val="548235"/>
+              <a:srgbClr val="C00000"/>
             </a:solidFill>
             <a:tailEnd type="triangle"/>
           </a:ln>
@@ -21123,139 +21509,10 @@
           </a:fontRef>
         </p:style>
       </p:cxnSp>
-      <p:cxnSp>
-        <p:nvCxnSpPr>
-          <p:cNvPr id="65" name="Connecteur droit avec flèche 64">
-            <a:extLst>
-              <a:ext uri="{FF2B5EF4-FFF2-40B4-BE49-F238E27FC236}">
-                <a16:creationId xmlns:a16="http://schemas.microsoft.com/office/drawing/2014/main" id="{2DA350A6-D28B-44E2-A6E8-7C2A42744802}"/>
-              </a:ext>
-            </a:extLst>
-          </p:cNvPr>
-          <p:cNvCxnSpPr>
-            <a:cxnSpLocks/>
-            <a:stCxn id="12" idx="2"/>
-            <a:endCxn id="21" idx="0"/>
-          </p:cNvCxnSpPr>
-          <p:nvPr/>
-        </p:nvCxnSpPr>
-        <p:spPr>
-          <a:xfrm>
-            <a:off x="4369757" y="3745866"/>
-            <a:ext cx="0" cy="501454"/>
-          </a:xfrm>
-          <a:prstGeom prst="straightConnector1">
-            <a:avLst/>
-          </a:prstGeom>
-          <a:ln w="38100">
-            <a:solidFill>
-              <a:schemeClr val="accent4"/>
-            </a:solidFill>
-            <a:tailEnd type="triangle"/>
-          </a:ln>
-        </p:spPr>
-        <p:style>
-          <a:lnRef idx="1">
-            <a:schemeClr val="accent1"/>
-          </a:lnRef>
-          <a:fillRef idx="0">
-            <a:schemeClr val="accent1"/>
-          </a:fillRef>
-          <a:effectRef idx="0">
-            <a:schemeClr val="accent1"/>
-          </a:effectRef>
-          <a:fontRef idx="minor">
-            <a:schemeClr val="tx1"/>
-          </a:fontRef>
-        </p:style>
-      </p:cxnSp>
-      <p:sp>
-        <p:nvSpPr>
-          <p:cNvPr id="3" name="Rectangle 2">
-            <a:extLst>
-              <a:ext uri="{FF2B5EF4-FFF2-40B4-BE49-F238E27FC236}">
-                <a16:creationId xmlns:a16="http://schemas.microsoft.com/office/drawing/2014/main" id="{6430D656-B398-4E21-909E-21B5E6AC630A}"/>
-              </a:ext>
-            </a:extLst>
-          </p:cNvPr>
-          <p:cNvSpPr/>
-          <p:nvPr/>
-        </p:nvSpPr>
-        <p:spPr>
-          <a:xfrm>
-            <a:off x="3152196" y="2763918"/>
-            <a:ext cx="2577196" cy="3030677"/>
-          </a:xfrm>
-          <a:prstGeom prst="rect">
-            <a:avLst/>
-          </a:prstGeom>
-          <a:noFill/>
-          <a:ln w="38100">
-            <a:solidFill>
-              <a:srgbClr val="FF0000"/>
-            </a:solidFill>
-            <a:prstDash val="lgDash"/>
-          </a:ln>
-        </p:spPr>
-        <p:style>
-          <a:lnRef idx="2">
-            <a:schemeClr val="accent1">
-              <a:shade val="50000"/>
-            </a:schemeClr>
-          </a:lnRef>
-          <a:fillRef idx="1">
-            <a:schemeClr val="accent1"/>
-          </a:fillRef>
-          <a:effectRef idx="0">
-            <a:schemeClr val="accent1"/>
-          </a:effectRef>
-          <a:fontRef idx="minor">
-            <a:schemeClr val="lt1"/>
-          </a:fontRef>
-        </p:style>
-        <p:txBody>
-          <a:bodyPr rtlCol="0" anchor="ctr"/>
-          <a:lstStyle/>
-          <a:p>
-            <a:pPr algn="ctr"/>
-            <a:endParaRPr lang="fr-FR"/>
-          </a:p>
-        </p:txBody>
-      </p:sp>
-      <p:pic>
-        <p:nvPicPr>
-          <p:cNvPr id="7" name="Image 6">
-            <a:extLst>
-              <a:ext uri="{FF2B5EF4-FFF2-40B4-BE49-F238E27FC236}">
-                <a16:creationId xmlns:a16="http://schemas.microsoft.com/office/drawing/2014/main" id="{2E4AA8CD-CAD8-45D9-A9D9-DD7F8C771430}"/>
-              </a:ext>
-            </a:extLst>
-          </p:cNvPr>
-          <p:cNvPicPr>
-            <a:picLocks noChangeAspect="1"/>
-          </p:cNvPicPr>
-          <p:nvPr/>
-        </p:nvPicPr>
-        <p:blipFill>
-          <a:blip r:embed="rId2"/>
-          <a:stretch>
-            <a:fillRect/>
-          </a:stretch>
-        </p:blipFill>
-        <p:spPr>
-          <a:xfrm>
-            <a:off x="-863439" y="3968661"/>
-            <a:ext cx="3710015" cy="1754906"/>
-          </a:xfrm>
-          <a:prstGeom prst="rect">
-            <a:avLst/>
-          </a:prstGeom>
-        </p:spPr>
-      </p:pic>
     </p:spTree>
     <p:extLst>
       <p:ext uri="{BB962C8B-B14F-4D97-AF65-F5344CB8AC3E}">
-        <p14:creationId xmlns:p14="http://schemas.microsoft.com/office/powerpoint/2010/main" val="4226514937"/>
+        <p14:creationId xmlns:p14="http://schemas.microsoft.com/office/powerpoint/2010/main" val="353528120"/>
       </p:ext>
     </p:extLst>
   </p:cSld>

--- a/supports/P3_02_presentation v1.pptx
+++ b/supports/P3_02_presentation v1.pptx
@@ -249,7 +249,7 @@
           <a:p>
             <a:fld id="{081908C2-F1FA-4AA1-810C-31F86594FA86}" type="datetimeFigureOut">
               <a:rPr lang="en-US" smtClean="0"/>
-              <a:t>7/6/2021</a:t>
+              <a:t>7/11/2021</a:t>
             </a:fld>
             <a:endParaRPr lang="en-US"/>
           </a:p>
@@ -414,7 +414,7 @@
           <a:p>
             <a:fld id="{56E8D31E-EEDD-42CA-A79A-B9539977145E}" type="datetimeFigureOut">
               <a:rPr lang="en-US" smtClean="0"/>
-              <a:t>7/6/2021</a:t>
+              <a:t>7/11/2021</a:t>
             </a:fld>
             <a:endParaRPr lang="en-US"/>
           </a:p>
@@ -4971,7 +4971,7 @@
           <a:p>
             <a:fld id="{E1DCD729-31D5-4480-98D7-69012EF3B7DD}" type="datetimeFigureOut">
               <a:rPr lang="en-US" smtClean="0"/>
-              <a:t>7/6/2021</a:t>
+              <a:t>7/11/2021</a:t>
             </a:fld>
             <a:endParaRPr lang="en-US"/>
           </a:p>
@@ -5169,7 +5169,7 @@
           <a:p>
             <a:fld id="{E1DCD729-31D5-4480-98D7-69012EF3B7DD}" type="datetimeFigureOut">
               <a:rPr lang="en-US" smtClean="0"/>
-              <a:t>7/6/2021</a:t>
+              <a:t>7/11/2021</a:t>
             </a:fld>
             <a:endParaRPr lang="en-US"/>
           </a:p>
@@ -5377,7 +5377,7 @@
           <a:p>
             <a:fld id="{E1DCD729-31D5-4480-98D7-69012EF3B7DD}" type="datetimeFigureOut">
               <a:rPr lang="en-US" smtClean="0"/>
-              <a:t>7/6/2021</a:t>
+              <a:t>7/11/2021</a:t>
             </a:fld>
             <a:endParaRPr lang="en-US"/>
           </a:p>
@@ -5575,7 +5575,7 @@
           <a:p>
             <a:fld id="{E1DCD729-31D5-4480-98D7-69012EF3B7DD}" type="datetimeFigureOut">
               <a:rPr lang="en-US" smtClean="0"/>
-              <a:t>7/6/2021</a:t>
+              <a:t>7/11/2021</a:t>
             </a:fld>
             <a:endParaRPr lang="en-US"/>
           </a:p>
@@ -5850,7 +5850,7 @@
           <a:p>
             <a:fld id="{E1DCD729-31D5-4480-98D7-69012EF3B7DD}" type="datetimeFigureOut">
               <a:rPr lang="en-US" smtClean="0"/>
-              <a:t>7/6/2021</a:t>
+              <a:t>7/11/2021</a:t>
             </a:fld>
             <a:endParaRPr lang="en-US"/>
           </a:p>
@@ -6115,7 +6115,7 @@
           <a:p>
             <a:fld id="{E1DCD729-31D5-4480-98D7-69012EF3B7DD}" type="datetimeFigureOut">
               <a:rPr lang="en-US" smtClean="0"/>
-              <a:t>7/6/2021</a:t>
+              <a:t>7/11/2021</a:t>
             </a:fld>
             <a:endParaRPr lang="en-US"/>
           </a:p>
@@ -6527,7 +6527,7 @@
           <a:p>
             <a:fld id="{E1DCD729-31D5-4480-98D7-69012EF3B7DD}" type="datetimeFigureOut">
               <a:rPr lang="en-US" smtClean="0"/>
-              <a:t>7/6/2021</a:t>
+              <a:t>7/11/2021</a:t>
             </a:fld>
             <a:endParaRPr lang="en-US"/>
           </a:p>
@@ -6668,7 +6668,7 @@
           <a:p>
             <a:fld id="{E1DCD729-31D5-4480-98D7-69012EF3B7DD}" type="datetimeFigureOut">
               <a:rPr lang="en-US" smtClean="0"/>
-              <a:t>7/6/2021</a:t>
+              <a:t>7/11/2021</a:t>
             </a:fld>
             <a:endParaRPr lang="en-US"/>
           </a:p>
@@ -6781,7 +6781,7 @@
           <a:p>
             <a:fld id="{E1DCD729-31D5-4480-98D7-69012EF3B7DD}" type="datetimeFigureOut">
               <a:rPr lang="en-US" smtClean="0"/>
-              <a:t>7/6/2021</a:t>
+              <a:t>7/11/2021</a:t>
             </a:fld>
             <a:endParaRPr lang="en-US"/>
           </a:p>
@@ -7092,7 +7092,7 @@
           <a:p>
             <a:fld id="{E1DCD729-31D5-4480-98D7-69012EF3B7DD}" type="datetimeFigureOut">
               <a:rPr lang="en-US" smtClean="0"/>
-              <a:t>7/6/2021</a:t>
+              <a:t>7/11/2021</a:t>
             </a:fld>
             <a:endParaRPr lang="en-US"/>
           </a:p>
@@ -7380,7 +7380,7 @@
           <a:p>
             <a:fld id="{E1DCD729-31D5-4480-98D7-69012EF3B7DD}" type="datetimeFigureOut">
               <a:rPr lang="en-US" smtClean="0"/>
-              <a:t>7/6/2021</a:t>
+              <a:t>7/11/2021</a:t>
             </a:fld>
             <a:endParaRPr lang="en-US"/>
           </a:p>
@@ -7630,7 +7630,7 @@
           <a:p>
             <a:fld id="{E1DCD729-31D5-4480-98D7-69012EF3B7DD}" type="datetimeFigureOut">
               <a:rPr lang="en-US" smtClean="0"/>
-              <a:t>7/6/2021</a:t>
+              <a:t>7/11/2021</a:t>
             </a:fld>
             <a:endParaRPr lang="en-US"/>
           </a:p>
@@ -8666,9 +8666,7 @@
           <a:prstGeom prst="rect">
             <a:avLst/>
           </a:prstGeom>
-          <a:solidFill>
-            <a:srgbClr val="FF0000"/>
-          </a:solidFill>
+          <a:noFill/>
         </p:spPr>
         <p:txBody>
           <a:bodyPr wrap="square">
@@ -8688,7 +8686,7 @@
                 </a:solidFill>
                 <a:latin typeface="Google Sans"/>
               </a:rPr>
-              <a:t>XX juin 2021</a:t>
+              <a:t>13 juillet 2021</a:t>
             </a:r>
           </a:p>
         </p:txBody>
@@ -21513,7 +21511,7 @@
           </a:xfrm>
           <a:prstGeom prst="curvedConnector3">
             <a:avLst>
-              <a:gd name="adj1" fmla="val -421993"/>
+              <a:gd name="adj1" fmla="val -388984"/>
             </a:avLst>
           </a:prstGeom>
           <a:ln w="38100">
@@ -37525,8 +37523,33 @@
                 </a:solidFill>
                 <a:latin typeface="Google Sans"/>
               </a:rPr>
-              <a:t>24 avril 2021</a:t>
-            </a:r>
+              <a:t>13 </a:t>
+            </a:r>
+            <a:r>
+              <a:rPr lang="fr-FR" sz="1400">
+                <a:ln>
+                  <a:solidFill>
+                    <a:schemeClr val="bg1"/>
+                  </a:solidFill>
+                </a:ln>
+                <a:solidFill>
+                  <a:schemeClr val="bg1"/>
+                </a:solidFill>
+                <a:latin typeface="Google Sans"/>
+              </a:rPr>
+              <a:t>juillet 2021</a:t>
+            </a:r>
+            <a:endParaRPr lang="fr-FR" sz="1400" dirty="0">
+              <a:ln>
+                <a:solidFill>
+                  <a:schemeClr val="bg1"/>
+                </a:solidFill>
+              </a:ln>
+              <a:solidFill>
+                <a:schemeClr val="bg1"/>
+              </a:solidFill>
+              <a:latin typeface="Google Sans"/>
+            </a:endParaRPr>
           </a:p>
         </p:txBody>
       </p:sp>
@@ -37664,50 +37687,6 @@
           </a:extLst>
         </p:spPr>
       </p:pic>
-      <p:sp>
-        <p:nvSpPr>
-          <p:cNvPr id="7" name="ZoneTexte 6">
-            <a:extLst>
-              <a:ext uri="{FF2B5EF4-FFF2-40B4-BE49-F238E27FC236}">
-                <a16:creationId xmlns:a16="http://schemas.microsoft.com/office/drawing/2014/main" id="{13CA2201-3170-4DB3-B59B-957240822A25}"/>
-              </a:ext>
-            </a:extLst>
-          </p:cNvPr>
-          <p:cNvSpPr txBox="1"/>
-          <p:nvPr/>
-        </p:nvSpPr>
-        <p:spPr>
-          <a:xfrm>
-            <a:off x="122182" y="5368996"/>
-            <a:ext cx="2673008" cy="307777"/>
-          </a:xfrm>
-          <a:prstGeom prst="rect">
-            <a:avLst/>
-          </a:prstGeom>
-          <a:solidFill>
-            <a:srgbClr val="FF0000"/>
-          </a:solidFill>
-        </p:spPr>
-        <p:txBody>
-          <a:bodyPr wrap="square">
-            <a:spAutoFit/>
-          </a:bodyPr>
-          <a:lstStyle/>
-          <a:p>
-            <a:endParaRPr lang="fr-FR" sz="1400" dirty="0">
-              <a:ln>
-                <a:solidFill>
-                  <a:schemeClr val="bg1"/>
-                </a:solidFill>
-              </a:ln>
-              <a:solidFill>
-                <a:schemeClr val="bg1"/>
-              </a:solidFill>
-              <a:latin typeface="Google Sans"/>
-            </a:endParaRPr>
-          </a:p>
-        </p:txBody>
-      </p:sp>
     </p:spTree>
     <p:extLst>
       <p:ext uri="{BB962C8B-B14F-4D97-AF65-F5344CB8AC3E}">
